--- a/PPT ENTREGABLE2 CMMI.pptx
+++ b/PPT ENTREGABLE2 CMMI.pptx
@@ -5,7 +5,7 @@
     <p:sldMasterId id="2147483660" r:id="rId1"/>
   </p:sldMasterIdLst>
   <p:notesMasterIdLst>
-    <p:notesMasterId r:id="rId31"/>
+    <p:notesMasterId r:id="rId32"/>
   </p:notesMasterIdLst>
   <p:sldIdLst>
     <p:sldId id="256" r:id="rId2"/>
@@ -32,11 +32,12 @@
     <p:sldId id="407" r:id="rId23"/>
     <p:sldId id="408" r:id="rId24"/>
     <p:sldId id="409" r:id="rId25"/>
-    <p:sldId id="410" r:id="rId26"/>
-    <p:sldId id="411" r:id="rId27"/>
-    <p:sldId id="412" r:id="rId28"/>
-    <p:sldId id="398" r:id="rId29"/>
-    <p:sldId id="413" r:id="rId30"/>
+    <p:sldId id="414" r:id="rId26"/>
+    <p:sldId id="410" r:id="rId27"/>
+    <p:sldId id="411" r:id="rId28"/>
+    <p:sldId id="412" r:id="rId29"/>
+    <p:sldId id="398" r:id="rId30"/>
+    <p:sldId id="413" r:id="rId31"/>
   </p:sldIdLst>
   <p:sldSz cx="9144000" cy="6858000" type="screen4x3"/>
   <p:notesSz cx="6858000" cy="9144000"/>
@@ -270,7 +271,7 @@
             <a:pPr>
               <a:defRPr/>
             </a:pPr>
-            <a:fld id="{41EEC8D8-DB14-4B8E-ACDF-C7AB517149A7}" type="datetimeFigureOut">
+            <a:fld id="{3BCAE14B-C321-4376-BEBA-CEB4E8AC944D}" type="datetimeFigureOut">
               <a:rPr lang="es-PE"/>
               <a:pPr>
                 <a:defRPr/>
@@ -457,7 +458,7 @@
             <a:pPr>
               <a:defRPr/>
             </a:pPr>
-            <a:fld id="{AA027C12-2F02-4BF0-9C53-CCB2233AC753}" type="slidenum">
+            <a:fld id="{6E91100B-BBF7-4818-B016-FB27621D80C1}" type="slidenum">
               <a:rPr lang="es-PE"/>
               <a:pPr>
                 <a:defRPr/>
@@ -615,7 +616,7 @@
       </p:grpSpPr>
       <p:sp>
         <p:nvSpPr>
-          <p:cNvPr id="19457" name="1 Marcador de imagen de diapositiva"/>
+          <p:cNvPr id="18433" name="1 Marcador de imagen de diapositiva"/>
           <p:cNvSpPr>
             <a:spLocks noGrp="1" noRot="1" noChangeAspect="1" noTextEdit="1"/>
           </p:cNvSpPr>
@@ -637,7 +638,7 @@
       </p:sp>
       <p:sp>
         <p:nvSpPr>
-          <p:cNvPr id="19458" name="2 Marcador de notas"/>
+          <p:cNvPr id="18434" name="2 Marcador de notas"/>
           <p:cNvSpPr>
             <a:spLocks noGrp="1"/>
           </p:cNvSpPr>
@@ -691,7 +692,7 @@
               </a:spcAft>
               <a:defRPr/>
             </a:pPr>
-            <a:fld id="{CE627A88-86CA-4BAA-BA84-164185F3EDFA}" type="slidenum">
+            <a:fld id="{825F55F0-4E20-4DE5-97FF-9AF6E3D9503E}" type="slidenum">
               <a:rPr lang="es-PE" sz="1200">
                 <a:latin typeface="+mn-lt"/>
               </a:rPr>
@@ -739,7 +740,7 @@
       </p:grpSpPr>
       <p:sp>
         <p:nvSpPr>
-          <p:cNvPr id="22529" name="1 Marcador de imagen de diapositiva"/>
+          <p:cNvPr id="21505" name="1 Marcador de imagen de diapositiva"/>
           <p:cNvSpPr>
             <a:spLocks noGrp="1" noRot="1" noChangeAspect="1" noTextEdit="1"/>
           </p:cNvSpPr>
@@ -761,7 +762,7 @@
       </p:sp>
       <p:sp>
         <p:nvSpPr>
-          <p:cNvPr id="22530" name="2 Marcador de notas"/>
+          <p:cNvPr id="21506" name="2 Marcador de notas"/>
           <p:cNvSpPr>
             <a:spLocks noGrp="1"/>
           </p:cNvSpPr>
@@ -815,7 +816,7 @@
               </a:spcAft>
               <a:defRPr/>
             </a:pPr>
-            <a:fld id="{695F40E0-7796-4864-892A-3634B97FF9F9}" type="slidenum">
+            <a:fld id="{BD722AD3-F9E8-40DF-BC31-60A3D05A618C}" type="slidenum">
               <a:rPr lang="es-PE" sz="1200">
                 <a:latin typeface="+mn-lt"/>
               </a:rPr>
@@ -863,7 +864,7 @@
       </p:grpSpPr>
       <p:sp>
         <p:nvSpPr>
-          <p:cNvPr id="31745" name="1 Marcador de imagen de diapositiva"/>
+          <p:cNvPr id="28673" name="1 Marcador de imagen de diapositiva"/>
           <p:cNvSpPr>
             <a:spLocks noGrp="1" noRot="1" noChangeAspect="1"/>
           </p:cNvSpPr>
@@ -885,7 +886,7 @@
       </p:sp>
       <p:sp>
         <p:nvSpPr>
-          <p:cNvPr id="31746" name="2 Marcador de notas"/>
+          <p:cNvPr id="28674" name="2 Marcador de notas"/>
           <p:cNvSpPr>
             <a:spLocks noGrp="1"/>
           </p:cNvSpPr>
@@ -926,7 +927,7 @@
             <a:pPr>
               <a:defRPr/>
             </a:pPr>
-            <a:fld id="{53E90D35-EC6C-432F-BB1B-6A80B0A58867}" type="slidenum">
+            <a:fld id="{FACA8909-EB11-4952-9FF0-547904F08C5B}" type="slidenum">
               <a:rPr lang="es-PE" smtClean="0"/>
               <a:pPr>
                 <a:defRPr/>
@@ -964,7 +965,7 @@
       </p:grpSpPr>
       <p:sp>
         <p:nvSpPr>
-          <p:cNvPr id="33793" name="1 Marcador de imagen de diapositiva"/>
+          <p:cNvPr id="30721" name="1 Marcador de imagen de diapositiva"/>
           <p:cNvSpPr>
             <a:spLocks noGrp="1" noRot="1" noChangeAspect="1"/>
           </p:cNvSpPr>
@@ -986,7 +987,7 @@
       </p:sp>
       <p:sp>
         <p:nvSpPr>
-          <p:cNvPr id="33794" name="2 Marcador de notas"/>
+          <p:cNvPr id="30722" name="2 Marcador de notas"/>
           <p:cNvSpPr>
             <a:spLocks noGrp="1"/>
           </p:cNvSpPr>
@@ -1027,7 +1028,7 @@
             <a:pPr>
               <a:defRPr/>
             </a:pPr>
-            <a:fld id="{69A0985C-99EA-4930-89CD-C4C5A29879F9}" type="slidenum">
+            <a:fld id="{CE6D1790-1D13-4A46-A01E-67B00990AF35}" type="slidenum">
               <a:rPr lang="es-PE" smtClean="0"/>
               <a:pPr>
                 <a:defRPr/>
@@ -1065,7 +1066,7 @@
       </p:grpSpPr>
       <p:sp>
         <p:nvSpPr>
-          <p:cNvPr id="35841" name="1 Marcador de imagen de diapositiva"/>
+          <p:cNvPr id="32769" name="1 Marcador de imagen de diapositiva"/>
           <p:cNvSpPr>
             <a:spLocks noGrp="1" noRot="1" noChangeAspect="1"/>
           </p:cNvSpPr>
@@ -1087,7 +1088,7 @@
       </p:sp>
       <p:sp>
         <p:nvSpPr>
-          <p:cNvPr id="35842" name="2 Marcador de notas"/>
+          <p:cNvPr id="32770" name="2 Marcador de notas"/>
           <p:cNvSpPr>
             <a:spLocks noGrp="1"/>
           </p:cNvSpPr>
@@ -1128,7 +1129,7 @@
             <a:pPr>
               <a:defRPr/>
             </a:pPr>
-            <a:fld id="{D89E980C-FAB7-4362-9EB9-C85FE79364F5}" type="slidenum">
+            <a:fld id="{2EDDD405-CFC7-4C8B-ADEF-AB63A0FD7202}" type="slidenum">
               <a:rPr lang="es-PE" smtClean="0"/>
               <a:pPr>
                 <a:defRPr/>
@@ -1166,7 +1167,7 @@
       </p:grpSpPr>
       <p:sp>
         <p:nvSpPr>
-          <p:cNvPr id="37889" name="1 Marcador de imagen de diapositiva"/>
+          <p:cNvPr id="34817" name="1 Marcador de imagen de diapositiva"/>
           <p:cNvSpPr>
             <a:spLocks noGrp="1" noRot="1" noChangeAspect="1" noTextEdit="1"/>
           </p:cNvSpPr>
@@ -1188,7 +1189,7 @@
       </p:sp>
       <p:sp>
         <p:nvSpPr>
-          <p:cNvPr id="37890" name="2 Marcador de notas"/>
+          <p:cNvPr id="34818" name="2 Marcador de notas"/>
           <p:cNvSpPr>
             <a:spLocks noGrp="1"/>
           </p:cNvSpPr>
@@ -1242,7 +1243,7 @@
               </a:spcAft>
               <a:defRPr/>
             </a:pPr>
-            <a:fld id="{A8F933C2-17C9-494F-8B68-826EBE85B09C}" type="slidenum">
+            <a:fld id="{F980631E-A29D-4FFC-A358-ABD44152153F}" type="slidenum">
               <a:rPr lang="es-PE" sz="1200">
                 <a:latin typeface="+mn-lt"/>
               </a:rPr>
@@ -3131,7 +3132,7 @@
             <a:pPr>
               <a:defRPr/>
             </a:pPr>
-            <a:fld id="{B42DC863-3982-48BA-BBEA-237FE3386FA7}" type="datetimeFigureOut">
+            <a:fld id="{74885B26-E581-491E-ABC8-9094208170EF}" type="datetimeFigureOut">
               <a:rPr lang="es-PE"/>
               <a:pPr>
                 <a:defRPr/>
@@ -3190,7 +3191,7 @@
             <a:pPr>
               <a:defRPr/>
             </a:pPr>
-            <a:fld id="{9A0747EA-04AC-4BA8-887B-46D58B7EA007}" type="slidenum">
+            <a:fld id="{F1052B89-9702-44D9-BFA6-B6F4A405DF1B}" type="slidenum">
               <a:rPr lang="es-PE"/>
               <a:pPr>
                 <a:defRPr/>
@@ -3342,7 +3343,7 @@
             <a:pPr>
               <a:defRPr/>
             </a:pPr>
-            <a:fld id="{5C401706-6965-4EF6-8A72-DE02B7DD8862}" type="datetimeFigureOut">
+            <a:fld id="{39F1AFA0-8A8B-4E5E-B819-9B32DC379972}" type="datetimeFigureOut">
               <a:rPr lang="es-PE"/>
               <a:pPr>
                 <a:defRPr/>
@@ -3401,7 +3402,7 @@
             <a:pPr>
               <a:defRPr/>
             </a:pPr>
-            <a:fld id="{FE32CFD3-CF5F-4C3C-9284-5BCAE2B41A45}" type="slidenum">
+            <a:fld id="{9A31FA05-8F5C-4871-89D6-07FBB8A530B6}" type="slidenum">
               <a:rPr lang="es-PE"/>
               <a:pPr>
                 <a:defRPr/>
@@ -5250,7 +5251,7 @@
             <a:pPr>
               <a:defRPr/>
             </a:pPr>
-            <a:fld id="{28E2B3C1-EE7D-413F-A37C-7ABA7520EA4D}" type="datetimeFigureOut">
+            <a:fld id="{6927DF67-C0B7-43B6-925F-1177F51D81C2}" type="datetimeFigureOut">
               <a:rPr lang="es-PE"/>
               <a:pPr>
                 <a:defRPr/>
@@ -5309,7 +5310,7 @@
             <a:pPr>
               <a:defRPr/>
             </a:pPr>
-            <a:fld id="{9788C89F-49D3-45D9-9FDB-4985A3184683}" type="slidenum">
+            <a:fld id="{563E3BC1-CB88-4757-AE4C-5A8EFF120FD5}" type="slidenum">
               <a:rPr lang="es-PE"/>
               <a:pPr>
                 <a:defRPr/>
@@ -5370,7 +5371,7 @@
             <a:pPr>
               <a:defRPr/>
             </a:pPr>
-            <a:fld id="{DA20073E-81DB-48B7-89A3-847B9D875419}" type="datetimeFigureOut">
+            <a:fld id="{065CD9BC-EFD9-4FFD-898B-C6B8DB37AB47}" type="datetimeFigureOut">
               <a:rPr lang="es-PE"/>
               <a:pPr>
                 <a:defRPr/>
@@ -5429,7 +5430,7 @@
             <a:pPr>
               <a:defRPr/>
             </a:pPr>
-            <a:fld id="{13713EC9-4D7C-40EF-BB99-781562435F58}" type="slidenum">
+            <a:fld id="{E6B08EA1-C88F-4CCB-81FA-3E7A5A820181}" type="slidenum">
               <a:rPr lang="es-PE"/>
               <a:pPr>
                 <a:defRPr/>
@@ -5565,7 +5566,7 @@
             <a:pPr>
               <a:defRPr/>
             </a:pPr>
-            <a:fld id="{F45A7628-00BA-467D-A809-499CB0CDAEC3}" type="datetimeFigureOut">
+            <a:fld id="{1DE1E197-B89D-4953-BCD8-1F48898F61F5}" type="datetimeFigureOut">
               <a:rPr lang="es-PE"/>
               <a:pPr>
                 <a:defRPr/>
@@ -5624,7 +5625,7 @@
             <a:pPr>
               <a:defRPr/>
             </a:pPr>
-            <a:fld id="{30A8833D-284C-40B4-9965-48D539E4EE33}" type="slidenum">
+            <a:fld id="{E22E0F1E-11DF-4921-ACBA-C8446FCAD9D8}" type="slidenum">
               <a:rPr lang="es-PE"/>
               <a:pPr>
                 <a:defRPr/>
@@ -7485,7 +7486,7 @@
             <a:pPr>
               <a:defRPr/>
             </a:pPr>
-            <a:fld id="{2A72B907-932D-44F0-9046-8D2EF095DF5D}" type="datetimeFigureOut">
+            <a:fld id="{D544822B-23E6-4C91-982E-E6E27132FCC0}" type="datetimeFigureOut">
               <a:rPr lang="es-PE"/>
               <a:pPr>
                 <a:defRPr/>
@@ -7544,7 +7545,7 @@
             <a:pPr>
               <a:defRPr/>
             </a:pPr>
-            <a:fld id="{53997912-DE17-413F-8FDA-E73E5DF21249}" type="slidenum">
+            <a:fld id="{CA985F28-2326-4F2A-911A-233127F8F876}" type="slidenum">
               <a:rPr lang="es-PE"/>
               <a:pPr>
                 <a:defRPr/>
@@ -7742,7 +7743,7 @@
             <a:pPr>
               <a:defRPr/>
             </a:pPr>
-            <a:fld id="{5E53D878-BE8E-4980-A1F3-BC0F990EA8A5}" type="datetimeFigureOut">
+            <a:fld id="{8A7E4E9A-7EF8-463B-9623-247DFB378542}" type="datetimeFigureOut">
               <a:rPr lang="es-PE"/>
               <a:pPr>
                 <a:defRPr/>
@@ -7801,7 +7802,7 @@
             <a:pPr>
               <a:defRPr/>
             </a:pPr>
-            <a:fld id="{AE468599-B611-4BD9-BE65-2C1D533432A9}" type="slidenum">
+            <a:fld id="{CA4455F4-00E8-4FDB-8D8B-19503961E0FB}" type="slidenum">
               <a:rPr lang="es-PE"/>
               <a:pPr>
                 <a:defRPr/>
@@ -8199,7 +8200,7 @@
             <a:pPr>
               <a:defRPr/>
             </a:pPr>
-            <a:fld id="{62CAAB58-7272-4E54-821F-90B2DB485129}" type="datetimeFigureOut">
+            <a:fld id="{89D90D4E-C3CF-4968-A5E9-A51CA976E278}" type="datetimeFigureOut">
               <a:rPr lang="es-PE"/>
               <a:pPr>
                 <a:defRPr/>
@@ -8258,7 +8259,7 @@
             <a:pPr>
               <a:defRPr/>
             </a:pPr>
-            <a:fld id="{301D213C-42DD-49E3-BB6A-43511F779B1A}" type="slidenum">
+            <a:fld id="{8E9490C3-DBF4-44AB-9BC0-16BDCB238B2B}" type="slidenum">
               <a:rPr lang="es-PE"/>
               <a:pPr>
                 <a:defRPr/>
@@ -8342,7 +8343,7 @@
             <a:pPr>
               <a:defRPr/>
             </a:pPr>
-            <a:fld id="{FBB67142-3F21-44A6-8352-CA051DD214ED}" type="datetimeFigureOut">
+            <a:fld id="{285180AF-F6EC-41B6-8862-EC71E27643E3}" type="datetimeFigureOut">
               <a:rPr lang="es-PE"/>
               <a:pPr>
                 <a:defRPr/>
@@ -8401,7 +8402,7 @@
             <a:pPr>
               <a:defRPr/>
             </a:pPr>
-            <a:fld id="{B76F754D-33D5-4981-B22F-52ADCF658699}" type="slidenum">
+            <a:fld id="{2CB442BC-0E6D-4530-9757-30195ED41513}" type="slidenum">
               <a:rPr lang="es-PE"/>
               <a:pPr>
                 <a:defRPr/>
@@ -10126,7 +10127,7 @@
             <a:pPr>
               <a:defRPr/>
             </a:pPr>
-            <a:fld id="{6B3C41F1-CDFE-4314-9A84-836694C8BBD6}" type="datetimeFigureOut">
+            <a:fld id="{92E75AAD-507B-4FD9-9F33-D7102BC41895}" type="datetimeFigureOut">
               <a:rPr lang="es-PE"/>
               <a:pPr>
                 <a:defRPr/>
@@ -10185,7 +10186,7 @@
             <a:pPr>
               <a:defRPr/>
             </a:pPr>
-            <a:fld id="{A9C8B71A-AB30-40BF-8E43-F71840D03493}" type="slidenum">
+            <a:fld id="{AD41EE38-9109-4C79-834A-F291EA137F0C}" type="slidenum">
               <a:rPr lang="es-PE"/>
               <a:pPr>
                 <a:defRPr/>
@@ -12145,7 +12146,7 @@
             <a:pPr>
               <a:defRPr/>
             </a:pPr>
-            <a:fld id="{10314415-1F31-476B-BC42-CDCD28D939B0}" type="datetimeFigureOut">
+            <a:fld id="{284CEDE9-E172-4A7A-9678-5F6A124F3A7D}" type="datetimeFigureOut">
               <a:rPr lang="es-PE"/>
               <a:pPr>
                 <a:defRPr/>
@@ -12204,7 +12205,7 @@
             <a:pPr>
               <a:defRPr/>
             </a:pPr>
-            <a:fld id="{E5F8D79A-E5A4-4EA6-9019-1FDDFC40F2C0}" type="slidenum">
+            <a:fld id="{78B590F4-C849-4C3E-9AAF-3DBD6ED359EF}" type="slidenum">
               <a:rPr lang="es-PE"/>
               <a:pPr>
                 <a:defRPr/>
@@ -14135,7 +14136,7 @@
             <a:pPr>
               <a:defRPr/>
             </a:pPr>
-            <a:fld id="{DC12F209-B10F-4CCD-ABA6-E07B8DF6D7A2}" type="datetimeFigureOut">
+            <a:fld id="{41511275-9A3D-4591-AB99-672D5723D74B}" type="datetimeFigureOut">
               <a:rPr lang="es-PE"/>
               <a:pPr>
                 <a:defRPr/>
@@ -14194,7 +14195,7 @@
             <a:pPr>
               <a:defRPr/>
             </a:pPr>
-            <a:fld id="{CDBE997C-E2B4-408A-ABEB-5B8DD0475ECA}" type="slidenum">
+            <a:fld id="{AA4B3C5F-F351-4440-A805-D1128F56AE8F}" type="slidenum">
               <a:rPr lang="es-PE"/>
               <a:pPr>
                 <a:defRPr/>
@@ -15986,7 +15987,7 @@
             <a:pPr>
               <a:defRPr/>
             </a:pPr>
-            <a:fld id="{534CD23A-E754-4DF9-92AA-22A6DFE9BFC6}" type="datetimeFigureOut">
+            <a:fld id="{D1D709B2-2CFA-4124-8336-981E52188F2B}" type="datetimeFigureOut">
               <a:rPr lang="es-PE"/>
               <a:pPr>
                 <a:defRPr/>
@@ -16083,7 +16084,7 @@
             <a:pPr>
               <a:defRPr/>
             </a:pPr>
-            <a:fld id="{E7EB0ACE-9849-40B8-97DC-969D8A3EA111}" type="slidenum">
+            <a:fld id="{EA08C87F-C2EA-4183-9D7B-9CB902584F95}" type="slidenum">
               <a:rPr lang="es-PE"/>
               <a:pPr>
                 <a:defRPr/>
@@ -16735,7 +16736,7 @@
       </p:sp>
       <p:pic>
         <p:nvPicPr>
-          <p:cNvPr id="15364" name="Picture 4"/>
+          <p:cNvPr id="15363" name="Picture 4"/>
           <p:cNvPicPr>
             <a:picLocks noChangeAspect="1" noChangeArrowheads="1"/>
           </p:cNvPicPr>
@@ -16774,7 +16775,6 @@
             <a:headEnd/>
             <a:tailEnd/>
           </a:ln>
-          <a:effectLst/>
         </p:spPr>
       </p:pic>
     </p:spTree>
@@ -16814,7 +16814,7 @@
       </p:grpSpPr>
       <p:sp>
         <p:nvSpPr>
-          <p:cNvPr id="3" name="2 Título"/>
+          <p:cNvPr id="26625" name="2 Título"/>
           <p:cNvSpPr txBox="1">
             <a:spLocks/>
           </p:cNvSpPr>
@@ -16896,7 +16896,7 @@
       </p:grpSpPr>
       <p:sp>
         <p:nvSpPr>
-          <p:cNvPr id="30721" name="2 Título"/>
+          <p:cNvPr id="27649" name="2 Título"/>
           <p:cNvSpPr txBox="1">
             <a:spLocks/>
           </p:cNvSpPr>
@@ -16943,14 +16943,25 @@
       </p:sp>
       <p:pic>
         <p:nvPicPr>
-          <p:cNvPr id="30740" name="Picture 20"/>
+          <p:cNvPr id="27650" name="Picture 20"/>
           <p:cNvPicPr>
             <a:picLocks noChangeAspect="1" noChangeArrowheads="1"/>
           </p:cNvPicPr>
           <p:nvPr/>
         </p:nvPicPr>
         <p:blipFill>
-          <a:blip r:embed="rId3"/>
+          <a:blip r:embed="rId3">
+            <a:clrChange>
+              <a:clrFrom>
+                <a:srgbClr val="FFFFFF"/>
+              </a:clrFrom>
+              <a:clrTo>
+                <a:srgbClr val="FFFFFF">
+                  <a:alpha val="0"/>
+                </a:srgbClr>
+              </a:clrTo>
+            </a:clrChange>
+          </a:blip>
           <a:srcRect/>
           <a:stretch>
             <a:fillRect/>
@@ -16958,7 +16969,7 @@
         </p:blipFill>
         <p:spPr bwMode="auto">
           <a:xfrm>
-            <a:off x="250825" y="2349500"/>
+            <a:off x="1692275" y="2133600"/>
             <a:ext cx="6049963" cy="4356100"/>
           </a:xfrm>
           <a:prstGeom prst="rect">
@@ -16966,12 +16977,13 @@
           </a:prstGeom>
           <a:noFill/>
           <a:ln w="9525">
-            <a:noFill/>
+            <a:solidFill>
+              <a:schemeClr val="accent2"/>
+            </a:solidFill>
             <a:miter lim="800000"/>
             <a:headEnd/>
             <a:tailEnd/>
           </a:ln>
-          <a:effectLst/>
         </p:spPr>
       </p:pic>
     </p:spTree>
@@ -17011,7 +17023,7 @@
       </p:grpSpPr>
       <p:sp>
         <p:nvSpPr>
-          <p:cNvPr id="32775" name="2 Título"/>
+          <p:cNvPr id="29697" name="2 Título"/>
           <p:cNvSpPr txBox="1">
             <a:spLocks/>
           </p:cNvSpPr>
@@ -17058,7 +17070,7 @@
       </p:sp>
       <p:pic>
         <p:nvPicPr>
-          <p:cNvPr id="32777" name="Picture 9"/>
+          <p:cNvPr id="29698" name="Picture 9"/>
           <p:cNvPicPr>
             <a:picLocks noChangeAspect="1" noChangeArrowheads="1"/>
           </p:cNvPicPr>
@@ -17073,20 +17085,21 @@
         </p:blipFill>
         <p:spPr bwMode="auto">
           <a:xfrm>
-            <a:off x="250825" y="2601913"/>
-            <a:ext cx="7705725" cy="3886200"/>
+            <a:off x="827088" y="2420938"/>
+            <a:ext cx="7561262" cy="3813175"/>
           </a:xfrm>
           <a:prstGeom prst="rect">
             <a:avLst/>
           </a:prstGeom>
           <a:noFill/>
           <a:ln w="9525">
-            <a:noFill/>
+            <a:solidFill>
+              <a:schemeClr val="accent2"/>
+            </a:solidFill>
             <a:miter lim="800000"/>
             <a:headEnd/>
             <a:tailEnd/>
           </a:ln>
-          <a:effectLst/>
         </p:spPr>
       </p:pic>
     </p:spTree>
@@ -17126,7 +17139,7 @@
       </p:grpSpPr>
       <p:sp>
         <p:nvSpPr>
-          <p:cNvPr id="34823" name="2 Título"/>
+          <p:cNvPr id="31745" name="2 Título"/>
           <p:cNvSpPr txBox="1">
             <a:spLocks/>
           </p:cNvSpPr>
@@ -17173,7 +17186,7 @@
       </p:sp>
       <p:pic>
         <p:nvPicPr>
-          <p:cNvPr id="34826" name="Picture 10"/>
+          <p:cNvPr id="31746" name="Picture 10"/>
           <p:cNvPicPr>
             <a:picLocks noChangeAspect="1" noChangeArrowheads="1"/>
           </p:cNvPicPr>
@@ -17188,20 +17201,21 @@
         </p:blipFill>
         <p:spPr bwMode="auto">
           <a:xfrm>
-            <a:off x="323850" y="2565400"/>
-            <a:ext cx="7632700" cy="3536950"/>
+            <a:off x="1116013" y="2708275"/>
+            <a:ext cx="7200900" cy="3336925"/>
           </a:xfrm>
           <a:prstGeom prst="rect">
             <a:avLst/>
           </a:prstGeom>
           <a:noFill/>
           <a:ln w="9525">
-            <a:noFill/>
+            <a:solidFill>
+              <a:schemeClr val="accent2"/>
+            </a:solidFill>
             <a:miter lim="800000"/>
             <a:headEnd/>
             <a:tailEnd/>
           </a:ln>
-          <a:effectLst/>
         </p:spPr>
       </p:pic>
     </p:spTree>
@@ -17241,7 +17255,7 @@
       </p:grpSpPr>
       <p:sp>
         <p:nvSpPr>
-          <p:cNvPr id="36871" name="2 Título"/>
+          <p:cNvPr id="33793" name="2 Título"/>
           <p:cNvSpPr txBox="1">
             <a:spLocks/>
           </p:cNvSpPr>
@@ -17288,7 +17302,7 @@
       </p:sp>
       <p:pic>
         <p:nvPicPr>
-          <p:cNvPr id="36874" name="Picture 10"/>
+          <p:cNvPr id="33794" name="Picture 10"/>
           <p:cNvPicPr>
             <a:picLocks noChangeAspect="1" noChangeArrowheads="1"/>
           </p:cNvPicPr>
@@ -17307,27 +17321,28 @@
               </a:clrTo>
             </a:clrChange>
           </a:blip>
-          <a:srcRect t="54636" b="8333"/>
+          <a:srcRect l="4723" t="54681" r="2362" b="8302"/>
           <a:stretch>
             <a:fillRect/>
           </a:stretch>
         </p:blipFill>
         <p:spPr bwMode="auto">
           <a:xfrm>
-            <a:off x="-36513" y="2997200"/>
-            <a:ext cx="7596188" cy="2389188"/>
+            <a:off x="827088" y="2781300"/>
+            <a:ext cx="7561262" cy="2557463"/>
           </a:xfrm>
           <a:prstGeom prst="rect">
             <a:avLst/>
           </a:prstGeom>
           <a:noFill/>
           <a:ln w="9525">
-            <a:noFill/>
+            <a:solidFill>
+              <a:schemeClr val="accent2"/>
+            </a:solidFill>
             <a:miter lim="800000"/>
             <a:headEnd/>
             <a:tailEnd/>
           </a:ln>
-          <a:effectLst/>
         </p:spPr>
       </p:pic>
     </p:spTree>
@@ -17367,7 +17382,7 @@
       </p:grpSpPr>
       <p:sp>
         <p:nvSpPr>
-          <p:cNvPr id="47105" name="2 Título"/>
+          <p:cNvPr id="35841" name="2 Título"/>
           <p:cNvSpPr txBox="1">
             <a:spLocks/>
           </p:cNvSpPr>
@@ -17448,7 +17463,7 @@
       </p:grpSpPr>
       <p:pic>
         <p:nvPicPr>
-          <p:cNvPr id="58371" name="Picture 3"/>
+          <p:cNvPr id="36865" name="Picture 3"/>
           <p:cNvPicPr>
             <a:picLocks noChangeAspect="1" noChangeArrowheads="1"/>
           </p:cNvPicPr>
@@ -17476,12 +17491,11 @@
             <a:headEnd/>
             <a:tailEnd/>
           </a:ln>
-          <a:effectLst/>
         </p:spPr>
       </p:pic>
       <p:pic>
         <p:nvPicPr>
-          <p:cNvPr id="58372" name="Picture 4"/>
+          <p:cNvPr id="36866" name="Picture 4"/>
           <p:cNvPicPr>
             <a:picLocks noChangeAspect="1" noChangeArrowheads="1"/>
           </p:cNvPicPr>
@@ -17509,12 +17523,11 @@
             <a:headEnd/>
             <a:tailEnd/>
           </a:ln>
-          <a:effectLst/>
         </p:spPr>
       </p:pic>
       <p:pic>
         <p:nvPicPr>
-          <p:cNvPr id="58373" name="Picture 5"/>
+          <p:cNvPr id="36867" name="Picture 5"/>
           <p:cNvPicPr>
             <a:picLocks noChangeAspect="1" noChangeArrowheads="1"/>
           </p:cNvPicPr>
@@ -17542,12 +17555,11 @@
             <a:headEnd/>
             <a:tailEnd/>
           </a:ln>
-          <a:effectLst/>
         </p:spPr>
       </p:pic>
       <p:sp>
         <p:nvSpPr>
-          <p:cNvPr id="58374" name="2 Título"/>
+          <p:cNvPr id="36868" name="2 Título"/>
           <p:cNvSpPr txBox="1">
             <a:spLocks/>
           </p:cNvSpPr>
@@ -17592,6 +17604,41 @@
           </a:p>
         </p:txBody>
       </p:sp>
+      <p:sp>
+        <p:nvSpPr>
+          <p:cNvPr id="36870" name="Rectangle 6"/>
+          <p:cNvSpPr>
+            <a:spLocks noChangeArrowheads="1"/>
+          </p:cNvSpPr>
+          <p:nvPr/>
+        </p:nvSpPr>
+        <p:spPr bwMode="auto">
+          <a:xfrm>
+            <a:off x="180975" y="2708275"/>
+            <a:ext cx="8712200" cy="2736850"/>
+          </a:xfrm>
+          <a:prstGeom prst="rect">
+            <a:avLst/>
+          </a:prstGeom>
+          <a:noFill/>
+          <a:ln w="9525">
+            <a:solidFill>
+              <a:schemeClr val="accent2"/>
+            </a:solidFill>
+            <a:miter lim="800000"/>
+            <a:headEnd/>
+            <a:tailEnd/>
+          </a:ln>
+          <a:effectLst/>
+        </p:spPr>
+        <p:txBody>
+          <a:bodyPr wrap="none" anchor="ctr"/>
+          <a:lstStyle/>
+          <a:p>
+            <a:endParaRPr lang="es-ES"/>
+          </a:p>
+        </p:txBody>
+      </p:sp>
     </p:spTree>
   </p:cSld>
   <p:clrMapOvr>
@@ -17629,7 +17676,7 @@
       </p:grpSpPr>
       <p:pic>
         <p:nvPicPr>
-          <p:cNvPr id="59395" name="Picture 3"/>
+          <p:cNvPr id="37889" name="Picture 3"/>
           <p:cNvPicPr>
             <a:picLocks noChangeAspect="1" noChangeArrowheads="1"/>
           </p:cNvPicPr>
@@ -17652,17 +17699,18 @@
           </a:prstGeom>
           <a:noFill/>
           <a:ln w="9525">
-            <a:noFill/>
+            <a:solidFill>
+              <a:schemeClr val="accent2"/>
+            </a:solidFill>
             <a:miter lim="800000"/>
             <a:headEnd/>
             <a:tailEnd/>
           </a:ln>
-          <a:effectLst/>
         </p:spPr>
       </p:pic>
       <p:sp>
         <p:nvSpPr>
-          <p:cNvPr id="59396" name="2 Título"/>
+          <p:cNvPr id="37890" name="2 Título"/>
           <p:cNvSpPr txBox="1">
             <a:spLocks/>
           </p:cNvSpPr>
@@ -17744,7 +17792,7 @@
       </p:grpSpPr>
       <p:pic>
         <p:nvPicPr>
-          <p:cNvPr id="60419" name="Picture 3"/>
+          <p:cNvPr id="38913" name="Picture 3"/>
           <p:cNvPicPr>
             <a:picLocks noChangeAspect="1" noChangeArrowheads="1"/>
           </p:cNvPicPr>
@@ -17767,17 +17815,18 @@
           </a:prstGeom>
           <a:noFill/>
           <a:ln w="9525">
-            <a:noFill/>
+            <a:solidFill>
+              <a:schemeClr val="accent2"/>
+            </a:solidFill>
             <a:miter lim="800000"/>
             <a:headEnd/>
             <a:tailEnd/>
           </a:ln>
-          <a:effectLst/>
         </p:spPr>
       </p:pic>
       <p:sp>
         <p:nvSpPr>
-          <p:cNvPr id="60420" name="2 Título"/>
+          <p:cNvPr id="38914" name="2 Título"/>
           <p:cNvSpPr txBox="1">
             <a:spLocks/>
           </p:cNvSpPr>
@@ -17859,7 +17908,7 @@
       </p:grpSpPr>
       <p:sp>
         <p:nvSpPr>
-          <p:cNvPr id="57346" name="2 Título"/>
+          <p:cNvPr id="39937" name="2 Título"/>
           <p:cNvSpPr txBox="1">
             <a:spLocks/>
           </p:cNvSpPr>
@@ -17940,7 +17989,7 @@
       </p:grpSpPr>
       <p:sp>
         <p:nvSpPr>
-          <p:cNvPr id="3" name="2 Título"/>
+          <p:cNvPr id="16385" name="2 Título"/>
           <p:cNvSpPr txBox="1">
             <a:spLocks/>
           </p:cNvSpPr>
@@ -18022,7 +18071,7 @@
       </p:grpSpPr>
       <p:sp>
         <p:nvSpPr>
-          <p:cNvPr id="61443" name="2 Título"/>
+          <p:cNvPr id="40961" name="2 Título"/>
           <p:cNvSpPr txBox="1">
             <a:spLocks/>
           </p:cNvSpPr>
@@ -18093,7 +18142,7 @@
       </p:grpSpPr>
       <p:sp>
         <p:nvSpPr>
-          <p:cNvPr id="62466" name="2 Título"/>
+          <p:cNvPr id="41985" name="2 Título"/>
           <p:cNvSpPr txBox="1">
             <a:spLocks/>
           </p:cNvSpPr>
@@ -18164,7 +18213,7 @@
       </p:grpSpPr>
       <p:sp>
         <p:nvSpPr>
-          <p:cNvPr id="63490" name="2 Título"/>
+          <p:cNvPr id="43009" name="2 Título"/>
           <p:cNvSpPr txBox="1">
             <a:spLocks/>
           </p:cNvSpPr>
@@ -18235,7 +18284,7 @@
       </p:grpSpPr>
       <p:sp>
         <p:nvSpPr>
-          <p:cNvPr id="64514" name="2 Título"/>
+          <p:cNvPr id="44033" name="2 Título"/>
           <p:cNvSpPr txBox="1">
             <a:spLocks/>
           </p:cNvSpPr>
@@ -18266,6 +18315,135 @@
               <a:rPr lang="es-ES" b="1"/>
               <a:t>Indicadores: Planificar Proyectos Institucionales de Desarrollo de Software</a:t>
             </a:r>
+          </a:p>
+        </p:txBody>
+      </p:sp>
+      <p:sp>
+        <p:nvSpPr>
+          <p:cNvPr id="44035" name="Text Box 3"/>
+          <p:cNvSpPr txBox="1">
+            <a:spLocks noChangeArrowheads="1"/>
+          </p:cNvSpPr>
+          <p:nvPr/>
+        </p:nvSpPr>
+        <p:spPr bwMode="auto">
+          <a:xfrm>
+            <a:off x="395288" y="2636838"/>
+            <a:ext cx="7632700" cy="366712"/>
+          </a:xfrm>
+          <a:prstGeom prst="rect">
+            <a:avLst/>
+          </a:prstGeom>
+          <a:noFill/>
+          <a:ln w="9525">
+            <a:noFill/>
+            <a:miter lim="800000"/>
+            <a:headEnd/>
+            <a:tailEnd/>
+          </a:ln>
+          <a:effectLst/>
+        </p:spPr>
+        <p:txBody>
+          <a:bodyPr>
+            <a:spAutoFit/>
+          </a:bodyPr>
+          <a:lstStyle/>
+          <a:p>
+            <a:pPr>
+              <a:spcBef>
+                <a:spcPct val="50000"/>
+              </a:spcBef>
+            </a:pPr>
+            <a:endParaRPr lang="es-ES"/>
+          </a:p>
+        </p:txBody>
+      </p:sp>
+      <p:sp>
+        <p:nvSpPr>
+          <p:cNvPr id="44036" name="Text Box 4"/>
+          <p:cNvSpPr txBox="1">
+            <a:spLocks noChangeArrowheads="1"/>
+          </p:cNvSpPr>
+          <p:nvPr/>
+        </p:nvSpPr>
+        <p:spPr bwMode="auto">
+          <a:xfrm>
+            <a:off x="611188" y="2636838"/>
+            <a:ext cx="7848600" cy="3327400"/>
+          </a:xfrm>
+          <a:prstGeom prst="rect">
+            <a:avLst/>
+          </a:prstGeom>
+          <a:noFill/>
+          <a:ln w="9525">
+            <a:solidFill>
+              <a:schemeClr val="accent2"/>
+            </a:solidFill>
+            <a:miter lim="800000"/>
+            <a:headEnd/>
+            <a:tailEnd/>
+          </a:ln>
+          <a:effectLst/>
+        </p:spPr>
+        <p:txBody>
+          <a:bodyPr>
+            <a:spAutoFit/>
+          </a:bodyPr>
+          <a:lstStyle/>
+          <a:p>
+            <a:r>
+              <a:rPr lang="es-ES" sz="1400" b="1"/>
+              <a:t>Indicador de requerimientos aprobados</a:t>
+            </a:r>
+            <a:endParaRPr lang="es-ES" sz="1400"/>
+          </a:p>
+          <a:p>
+            <a:r>
+              <a:rPr lang="es-ES" sz="1400"/>
+              <a:t>Justificación: Este indicador sirve para medir el porcentaje de cumplimiento de los requerimientos aprobados en la etapa de Planificación del proyecto. De esta manera, podemos analizar el # de requerimientos aprobados a fin de llevar un lineamiento de la trazabilidad desde el requerimiento hasta el caso de uso.</a:t>
+            </a:r>
+            <a:endParaRPr lang="es-ES" sz="1400" b="1" i="1"/>
+          </a:p>
+          <a:p>
+            <a:r>
+              <a:rPr lang="es-ES" sz="1400" b="1"/>
+              <a:t/>
+            </a:r>
+            <a:br>
+              <a:rPr lang="es-ES" sz="1400" b="1"/>
+            </a:br>
+            <a:r>
+              <a:rPr lang="es-ES" sz="1400" b="1"/>
+              <a:t>Indicador de actividades ejecutadas en el Cronograma</a:t>
+            </a:r>
+            <a:endParaRPr lang="es-ES" sz="1400"/>
+          </a:p>
+          <a:p>
+            <a:r>
+              <a:rPr lang="es-ES" sz="1400"/>
+              <a:t>Justificación: Este indicador sirve para medir el porcentaje de ejecución de las actividades planificadas las cuales fueron plasmadas en el Cronograma inicial. De esta manera podremos determinar el # de actividades que generalmente se ejecutan durante el desarrollo del Proyecto.</a:t>
+            </a:r>
+            <a:br>
+              <a:rPr lang="es-ES" sz="1400"/>
+            </a:br>
+            <a:r>
+              <a:rPr lang="es-ES"/>
+              <a:t/>
+            </a:r>
+            <a:br>
+              <a:rPr lang="es-ES"/>
+            </a:br>
+            <a:endParaRPr lang="es-ES" b="1" i="1"/>
+          </a:p>
+          <a:p>
+            <a:r>
+              <a:rPr lang="es-ES"/>
+              <a:t/>
+            </a:r>
+            <a:br>
+              <a:rPr lang="es-ES"/>
+            </a:br>
+            <a:endParaRPr lang="es-ES"/>
           </a:p>
         </p:txBody>
       </p:sp>
@@ -18306,7 +18484,7 @@
       </p:grpSpPr>
       <p:sp>
         <p:nvSpPr>
-          <p:cNvPr id="65538" name="2 Título"/>
+          <p:cNvPr id="45057" name="2 Título"/>
           <p:cNvSpPr txBox="1">
             <a:spLocks/>
           </p:cNvSpPr>
@@ -18340,6 +18518,41 @@
           </a:p>
         </p:txBody>
       </p:sp>
+      <p:pic>
+        <p:nvPicPr>
+          <p:cNvPr id="45060" name="Picture 4"/>
+          <p:cNvPicPr>
+            <a:picLocks noChangeAspect="1" noChangeArrowheads="1"/>
+          </p:cNvPicPr>
+          <p:nvPr/>
+        </p:nvPicPr>
+        <p:blipFill>
+          <a:blip r:embed="rId2"/>
+          <a:srcRect/>
+          <a:stretch>
+            <a:fillRect/>
+          </a:stretch>
+        </p:blipFill>
+        <p:spPr bwMode="auto">
+          <a:xfrm>
+            <a:off x="2643188" y="1700213"/>
+            <a:ext cx="4089400" cy="4954587"/>
+          </a:xfrm>
+          <a:prstGeom prst="rect">
+            <a:avLst/>
+          </a:prstGeom>
+          <a:noFill/>
+          <a:ln w="9525">
+            <a:solidFill>
+              <a:schemeClr val="accent2"/>
+            </a:solidFill>
+            <a:miter lim="800000"/>
+            <a:headEnd/>
+            <a:tailEnd/>
+          </a:ln>
+          <a:effectLst/>
+        </p:spPr>
+      </p:pic>
     </p:spTree>
   </p:cSld>
   <p:clrMapOvr>
@@ -18377,7 +18590,113 @@
       </p:grpSpPr>
       <p:sp>
         <p:nvSpPr>
-          <p:cNvPr id="66562" name="2 Título"/>
+          <p:cNvPr id="57346" name="2 Título"/>
+          <p:cNvSpPr txBox="1">
+            <a:spLocks/>
+          </p:cNvSpPr>
+          <p:nvPr/>
+        </p:nvSpPr>
+        <p:spPr bwMode="auto">
+          <a:xfrm>
+            <a:off x="457200" y="338138"/>
+            <a:ext cx="8229600" cy="1252537"/>
+          </a:xfrm>
+          <a:prstGeom prst="rect">
+            <a:avLst/>
+          </a:prstGeom>
+          <a:noFill/>
+          <a:ln w="9525">
+            <a:noFill/>
+            <a:miter lim="800000"/>
+            <a:headEnd/>
+            <a:tailEnd/>
+          </a:ln>
+        </p:spPr>
+        <p:txBody>
+          <a:bodyPr anchor="ctr"/>
+          <a:lstStyle/>
+          <a:p>
+            <a:pPr marL="1257300" lvl="2" indent="-342900" algn="ctr"/>
+            <a:r>
+              <a:rPr lang="es-ES" b="1"/>
+              <a:t>Proceso: Controlar y Monitorear Proyectos Institucionales de Desarrollo de Software</a:t>
+            </a:r>
+          </a:p>
+        </p:txBody>
+      </p:sp>
+      <p:pic>
+        <p:nvPicPr>
+          <p:cNvPr id="57348" name="Picture 4"/>
+          <p:cNvPicPr>
+            <a:picLocks noChangeAspect="1" noChangeArrowheads="1"/>
+          </p:cNvPicPr>
+          <p:nvPr/>
+        </p:nvPicPr>
+        <p:blipFill>
+          <a:blip r:embed="rId2"/>
+          <a:srcRect/>
+          <a:stretch>
+            <a:fillRect/>
+          </a:stretch>
+        </p:blipFill>
+        <p:spPr bwMode="auto">
+          <a:xfrm>
+            <a:off x="2700338" y="1757363"/>
+            <a:ext cx="4254500" cy="5056187"/>
+          </a:xfrm>
+          <a:prstGeom prst="rect">
+            <a:avLst/>
+          </a:prstGeom>
+          <a:noFill/>
+          <a:ln w="9525">
+            <a:solidFill>
+              <a:schemeClr val="accent2"/>
+            </a:solidFill>
+            <a:miter lim="800000"/>
+            <a:headEnd/>
+            <a:tailEnd/>
+          </a:ln>
+          <a:effectLst/>
+        </p:spPr>
+      </p:pic>
+    </p:spTree>
+  </p:cSld>
+  <p:clrMapOvr>
+    <a:masterClrMapping/>
+  </p:clrMapOvr>
+  <p:transition spd="slow">
+    <p:fade/>
+  </p:transition>
+  <p:timing>
+    <p:tnLst>
+      <p:par>
+        <p:cTn id="1" dur="indefinite" restart="never" nodeType="tmRoot"/>
+      </p:par>
+    </p:tnLst>
+  </p:timing>
+</p:sld>
+</file>
+
+<file path=ppt/slides/slide26.xml><?xml version="1.0" encoding="utf-8"?>
+<p:sld xmlns:a="http://schemas.openxmlformats.org/drawingml/2006/main" xmlns:r="http://schemas.openxmlformats.org/officeDocument/2006/relationships" xmlns:p="http://schemas.openxmlformats.org/presentationml/2006/main">
+  <p:cSld>
+    <p:spTree>
+      <p:nvGrpSpPr>
+        <p:cNvPr id="1" name=""/>
+        <p:cNvGrpSpPr/>
+        <p:nvPr/>
+      </p:nvGrpSpPr>
+      <p:grpSpPr>
+        <a:xfrm>
+          <a:off x="0" y="0"/>
+          <a:ext cx="0" cy="0"/>
+          <a:chOff x="0" y="0"/>
+          <a:chExt cx="0" cy="0"/>
+        </a:xfrm>
+      </p:grpSpPr>
+      <p:sp>
+        <p:nvSpPr>
+          <p:cNvPr id="46081" name="2 Título"/>
           <p:cNvSpPr txBox="1">
             <a:spLocks/>
           </p:cNvSpPr>
@@ -18429,7 +18748,7 @@
 </p:sld>
 </file>
 
-<file path=ppt/slides/slide26.xml><?xml version="1.0" encoding="utf-8"?>
+<file path=ppt/slides/slide27.xml><?xml version="1.0" encoding="utf-8"?>
 <p:sld xmlns:a="http://schemas.openxmlformats.org/drawingml/2006/main" xmlns:r="http://schemas.openxmlformats.org/officeDocument/2006/relationships" xmlns:p="http://schemas.openxmlformats.org/presentationml/2006/main">
   <p:cSld>
     <p:spTree>
@@ -18448,7 +18767,7 @@
       </p:grpSpPr>
       <p:sp>
         <p:nvSpPr>
-          <p:cNvPr id="67586" name="2 Título"/>
+          <p:cNvPr id="47105" name="2 Título"/>
           <p:cNvSpPr txBox="1">
             <a:spLocks/>
           </p:cNvSpPr>
@@ -18500,7 +18819,7 @@
 </p:sld>
 </file>
 
-<file path=ppt/slides/slide27.xml><?xml version="1.0" encoding="utf-8"?>
+<file path=ppt/slides/slide28.xml><?xml version="1.0" encoding="utf-8"?>
 <p:sld xmlns:a="http://schemas.openxmlformats.org/drawingml/2006/main" xmlns:r="http://schemas.openxmlformats.org/officeDocument/2006/relationships" xmlns:p="http://schemas.openxmlformats.org/presentationml/2006/main">
   <p:cSld>
     <p:spTree>
@@ -18519,7 +18838,7 @@
       </p:grpSpPr>
       <p:sp>
         <p:nvSpPr>
-          <p:cNvPr id="68610" name="2 Título"/>
+          <p:cNvPr id="48129" name="2 Título"/>
           <p:cNvSpPr txBox="1">
             <a:spLocks/>
           </p:cNvSpPr>
@@ -18553,6 +18872,81 @@
           </a:p>
         </p:txBody>
       </p:sp>
+      <p:sp>
+        <p:nvSpPr>
+          <p:cNvPr id="48131" name="Text Box 3"/>
+          <p:cNvSpPr txBox="1">
+            <a:spLocks noChangeArrowheads="1"/>
+          </p:cNvSpPr>
+          <p:nvPr/>
+        </p:nvSpPr>
+        <p:spPr bwMode="auto">
+          <a:xfrm>
+            <a:off x="611188" y="2997200"/>
+            <a:ext cx="8281987" cy="2778125"/>
+          </a:xfrm>
+          <a:prstGeom prst="rect">
+            <a:avLst/>
+          </a:prstGeom>
+          <a:noFill/>
+          <a:ln w="9525">
+            <a:solidFill>
+              <a:schemeClr val="accent2"/>
+            </a:solidFill>
+            <a:miter lim="800000"/>
+            <a:headEnd/>
+            <a:tailEnd/>
+          </a:ln>
+          <a:effectLst/>
+        </p:spPr>
+        <p:txBody>
+          <a:bodyPr>
+            <a:spAutoFit/>
+          </a:bodyPr>
+          <a:lstStyle/>
+          <a:p>
+            <a:r>
+              <a:rPr lang="es-ES" sz="1400" b="1"/>
+              <a:t>Indicador de cambios aceptados implementados.</a:t>
+            </a:r>
+            <a:endParaRPr lang="es-ES" sz="1400" b="1" i="1"/>
+          </a:p>
+          <a:p>
+            <a:r>
+              <a:rPr lang="es-ES" sz="1400"/>
+              <a:t>Justificación: Este indicador sirve para medir el porcentaje de cumplimiento de los cambios aceptados en cada iteración del proyecto. De esta manera, podemos analizar el cumplimiento de de los cambios aceptados y como afectan estos al entregable de cada iteración.</a:t>
+            </a:r>
+            <a:endParaRPr lang="es-ES" sz="1400" b="1" i="1"/>
+          </a:p>
+          <a:p>
+            <a:endParaRPr lang="es-ES" sz="1400"/>
+          </a:p>
+          <a:p>
+            <a:r>
+              <a:rPr lang="es-ES" sz="1400" b="1"/>
+              <a:t>Indicador de cumplimiento de entregas.</a:t>
+            </a:r>
+            <a:endParaRPr lang="es-ES" sz="1400" b="1" i="1"/>
+          </a:p>
+          <a:p>
+            <a:r>
+              <a:rPr lang="es-ES" sz="1400"/>
+              <a:t>Justificación: Este indicador sirve para medir el porcentaje de cumplimiento de entregas en cada iteración del proyecto. De esta manera, podemos analizar el cumplimiento de entrega de todos los proyectos de desarrollo que existen actualmente, mantener un mejor control en el progreso y determinar si se están asignando correctamente los recursos adecuados a las actividades.</a:t>
+            </a:r>
+            <a:endParaRPr lang="es-ES" sz="1400" b="1" i="1"/>
+          </a:p>
+          <a:p>
+            <a:r>
+              <a:rPr lang="es-ES"/>
+              <a:t/>
+            </a:r>
+            <a:br>
+              <a:rPr lang="es-ES"/>
+            </a:br>
+            <a:endParaRPr lang="es-ES"/>
+          </a:p>
+        </p:txBody>
+      </p:sp>
     </p:spTree>
   </p:cSld>
   <p:clrMapOvr>
@@ -18571,7 +18965,7 @@
 </p:sld>
 </file>
 
-<file path=ppt/slides/slide28.xml><?xml version="1.0" encoding="utf-8"?>
+<file path=ppt/slides/slide29.xml><?xml version="1.0" encoding="utf-8"?>
 <p:sld xmlns:a="http://schemas.openxmlformats.org/drawingml/2006/main" xmlns:r="http://schemas.openxmlformats.org/officeDocument/2006/relationships" xmlns:p="http://schemas.openxmlformats.org/presentationml/2006/main">
   <p:cSld>
     <p:spTree>
@@ -18692,7 +19086,7 @@
 </p:sld>
 </file>
 
-<file path=ppt/slides/slide29.xml><?xml version="1.0" encoding="utf-8"?>
+<file path=ppt/slides/slide3.xml><?xml version="1.0" encoding="utf-8"?>
 <p:sld xmlns:a="http://schemas.openxmlformats.org/drawingml/2006/main" xmlns:r="http://schemas.openxmlformats.org/officeDocument/2006/relationships" xmlns:p="http://schemas.openxmlformats.org/presentationml/2006/main">
   <p:cSld>
     <p:spTree>
@@ -18711,7 +19105,155 @@
       </p:grpSpPr>
       <p:sp>
         <p:nvSpPr>
-          <p:cNvPr id="69634" name="1 Título"/>
+          <p:cNvPr id="17409" name="2 Título"/>
+          <p:cNvSpPr txBox="1">
+            <a:spLocks/>
+          </p:cNvSpPr>
+          <p:nvPr/>
+        </p:nvSpPr>
+        <p:spPr bwMode="auto">
+          <a:xfrm>
+            <a:off x="457200" y="338138"/>
+            <a:ext cx="8229600" cy="1252537"/>
+          </a:xfrm>
+          <a:prstGeom prst="rect">
+            <a:avLst/>
+          </a:prstGeom>
+          <a:noFill/>
+          <a:ln w="9525">
+            <a:noFill/>
+            <a:miter lim="800000"/>
+            <a:headEnd/>
+            <a:tailEnd/>
+          </a:ln>
+        </p:spPr>
+        <p:txBody>
+          <a:bodyPr anchor="ctr"/>
+          <a:lstStyle/>
+          <a:p>
+            <a:pPr algn="ctr">
+              <a:lnSpc>
+                <a:spcPct val="90000"/>
+              </a:lnSpc>
+            </a:pPr>
+            <a:r>
+              <a:rPr lang="es-PE" sz="3200" b="1">
+                <a:solidFill>
+                  <a:srgbClr val="FFFFFF"/>
+                </a:solidFill>
+                <a:latin typeface="Candara" pitchFamily="34" charset="0"/>
+              </a:rPr>
+              <a:t>Organigrama Institucional</a:t>
+            </a:r>
+          </a:p>
+        </p:txBody>
+      </p:sp>
+      <p:pic>
+        <p:nvPicPr>
+          <p:cNvPr id="17410" name="Imagen 1"/>
+          <p:cNvPicPr>
+            <a:picLocks noChangeAspect="1" noChangeArrowheads="1"/>
+          </p:cNvPicPr>
+          <p:nvPr/>
+        </p:nvPicPr>
+        <p:blipFill>
+          <a:blip r:embed="rId3"/>
+          <a:srcRect/>
+          <a:stretch>
+            <a:fillRect/>
+          </a:stretch>
+        </p:blipFill>
+        <p:spPr bwMode="auto">
+          <a:xfrm>
+            <a:off x="1116013" y="1557338"/>
+            <a:ext cx="7200900" cy="5094287"/>
+          </a:xfrm>
+          <a:prstGeom prst="rect">
+            <a:avLst/>
+          </a:prstGeom>
+          <a:noFill/>
+          <a:ln w="9525">
+            <a:solidFill>
+              <a:schemeClr val="accent2"/>
+            </a:solidFill>
+            <a:miter lim="800000"/>
+            <a:headEnd/>
+            <a:tailEnd/>
+          </a:ln>
+        </p:spPr>
+      </p:pic>
+      <p:sp>
+        <p:nvSpPr>
+          <p:cNvPr id="17411" name="Rectangle 5"/>
+          <p:cNvSpPr>
+            <a:spLocks noChangeArrowheads="1"/>
+          </p:cNvSpPr>
+          <p:nvPr/>
+        </p:nvSpPr>
+        <p:spPr bwMode="auto">
+          <a:xfrm>
+            <a:off x="2555875" y="4149725"/>
+            <a:ext cx="792163" cy="503238"/>
+          </a:xfrm>
+          <a:prstGeom prst="rect">
+            <a:avLst/>
+          </a:prstGeom>
+          <a:noFill/>
+          <a:ln w="19050">
+            <a:solidFill>
+              <a:srgbClr val="800000"/>
+            </a:solidFill>
+            <a:miter lim="800000"/>
+            <a:headEnd/>
+            <a:tailEnd/>
+          </a:ln>
+        </p:spPr>
+        <p:txBody>
+          <a:bodyPr wrap="none" anchor="ctr"/>
+          <a:lstStyle/>
+          <a:p>
+            <a:endParaRPr lang="es-ES"/>
+          </a:p>
+        </p:txBody>
+      </p:sp>
+    </p:spTree>
+  </p:cSld>
+  <p:clrMapOvr>
+    <a:masterClrMapping/>
+  </p:clrMapOvr>
+  <p:transition spd="slow">
+    <p:fade/>
+  </p:transition>
+  <p:timing>
+    <p:tnLst>
+      <p:par>
+        <p:cTn id="1" dur="indefinite" restart="never" nodeType="tmRoot"/>
+      </p:par>
+    </p:tnLst>
+  </p:timing>
+</p:sld>
+</file>
+
+<file path=ppt/slides/slide30.xml><?xml version="1.0" encoding="utf-8"?>
+<p:sld xmlns:a="http://schemas.openxmlformats.org/drawingml/2006/main" xmlns:r="http://schemas.openxmlformats.org/officeDocument/2006/relationships" xmlns:p="http://schemas.openxmlformats.org/presentationml/2006/main">
+  <p:cSld>
+    <p:spTree>
+      <p:nvGrpSpPr>
+        <p:cNvPr id="1" name=""/>
+        <p:cNvGrpSpPr/>
+        <p:nvPr/>
+      </p:nvGrpSpPr>
+      <p:grpSpPr>
+        <a:xfrm>
+          <a:off x="0" y="0"/>
+          <a:ext cx="0" cy="0"/>
+          <a:chOff x="0" y="0"/>
+          <a:chExt cx="0" cy="0"/>
+        </a:xfrm>
+      </p:grpSpPr>
+      <p:sp>
+        <p:nvSpPr>
+          <p:cNvPr id="50177" name="1 Título"/>
           <p:cNvSpPr>
             <a:spLocks noGrp="1"/>
           </p:cNvSpPr>
@@ -18747,7 +19289,7 @@
       </p:sp>
       <p:sp>
         <p:nvSpPr>
-          <p:cNvPr id="69635" name="3 CuadroTexto"/>
+          <p:cNvPr id="50178" name="3 CuadroTexto"/>
           <p:cNvSpPr txBox="1">
             <a:spLocks noChangeArrowheads="1"/>
           </p:cNvSpPr>
@@ -18856,7 +19398,7 @@
       </p:sp>
       <p:pic>
         <p:nvPicPr>
-          <p:cNvPr id="69636" name="Picture 4"/>
+          <p:cNvPr id="50179" name="Picture 4"/>
           <p:cNvPicPr>
             <a:picLocks noChangeAspect="1" noChangeArrowheads="1"/>
           </p:cNvPicPr>
@@ -18895,12 +19437,11 @@
             <a:headEnd/>
             <a:tailEnd/>
           </a:ln>
-          <a:effectLst/>
         </p:spPr>
       </p:pic>
       <p:sp>
         <p:nvSpPr>
-          <p:cNvPr id="69637" name="3 CuadroTexto"/>
+          <p:cNvPr id="50180" name="3 CuadroTexto"/>
           <p:cNvSpPr txBox="1">
             <a:spLocks noChangeArrowheads="1"/>
           </p:cNvSpPr>
@@ -18964,153 +19505,6 @@
 </p:sld>
 </file>
 
-<file path=ppt/slides/slide3.xml><?xml version="1.0" encoding="utf-8"?>
-<p:sld xmlns:a="http://schemas.openxmlformats.org/drawingml/2006/main" xmlns:r="http://schemas.openxmlformats.org/officeDocument/2006/relationships" xmlns:p="http://schemas.openxmlformats.org/presentationml/2006/main">
-  <p:cSld>
-    <p:spTree>
-      <p:nvGrpSpPr>
-        <p:cNvPr id="1" name=""/>
-        <p:cNvGrpSpPr/>
-        <p:nvPr/>
-      </p:nvGrpSpPr>
-      <p:grpSpPr>
-        <a:xfrm>
-          <a:off x="0" y="0"/>
-          <a:ext cx="0" cy="0"/>
-          <a:chOff x="0" y="0"/>
-          <a:chExt cx="0" cy="0"/>
-        </a:xfrm>
-      </p:grpSpPr>
-      <p:sp>
-        <p:nvSpPr>
-          <p:cNvPr id="18433" name="2 Título"/>
-          <p:cNvSpPr txBox="1">
-            <a:spLocks/>
-          </p:cNvSpPr>
-          <p:nvPr/>
-        </p:nvSpPr>
-        <p:spPr bwMode="auto">
-          <a:xfrm>
-            <a:off x="457200" y="338138"/>
-            <a:ext cx="8229600" cy="1252537"/>
-          </a:xfrm>
-          <a:prstGeom prst="rect">
-            <a:avLst/>
-          </a:prstGeom>
-          <a:noFill/>
-          <a:ln w="9525">
-            <a:noFill/>
-            <a:miter lim="800000"/>
-            <a:headEnd/>
-            <a:tailEnd/>
-          </a:ln>
-        </p:spPr>
-        <p:txBody>
-          <a:bodyPr anchor="ctr"/>
-          <a:lstStyle/>
-          <a:p>
-            <a:pPr algn="ctr">
-              <a:lnSpc>
-                <a:spcPct val="90000"/>
-              </a:lnSpc>
-            </a:pPr>
-            <a:r>
-              <a:rPr lang="es-PE" sz="3200" b="1">
-                <a:solidFill>
-                  <a:srgbClr val="FFFFFF"/>
-                </a:solidFill>
-                <a:latin typeface="Candara" pitchFamily="34" charset="0"/>
-              </a:rPr>
-              <a:t>Organigrama Institucional</a:t>
-            </a:r>
-          </a:p>
-        </p:txBody>
-      </p:sp>
-      <p:pic>
-        <p:nvPicPr>
-          <p:cNvPr id="18436" name="Imagen 1"/>
-          <p:cNvPicPr>
-            <a:picLocks noChangeAspect="1" noChangeArrowheads="1"/>
-          </p:cNvPicPr>
-          <p:nvPr/>
-        </p:nvPicPr>
-        <p:blipFill>
-          <a:blip r:embed="rId3"/>
-          <a:srcRect/>
-          <a:stretch>
-            <a:fillRect/>
-          </a:stretch>
-        </p:blipFill>
-        <p:spPr bwMode="auto">
-          <a:xfrm>
-            <a:off x="900113" y="1557338"/>
-            <a:ext cx="7200900" cy="5094287"/>
-          </a:xfrm>
-          <a:prstGeom prst="rect">
-            <a:avLst/>
-          </a:prstGeom>
-          <a:noFill/>
-          <a:ln w="9525">
-            <a:noFill/>
-            <a:miter lim="800000"/>
-            <a:headEnd/>
-            <a:tailEnd/>
-          </a:ln>
-        </p:spPr>
-      </p:pic>
-      <p:sp>
-        <p:nvSpPr>
-          <p:cNvPr id="18437" name="Rectangle 5"/>
-          <p:cNvSpPr>
-            <a:spLocks noChangeArrowheads="1"/>
-          </p:cNvSpPr>
-          <p:nvPr/>
-        </p:nvSpPr>
-        <p:spPr bwMode="auto">
-          <a:xfrm>
-            <a:off x="2555875" y="4149725"/>
-            <a:ext cx="792163" cy="503238"/>
-          </a:xfrm>
-          <a:prstGeom prst="rect">
-            <a:avLst/>
-          </a:prstGeom>
-          <a:noFill/>
-          <a:ln w="19050">
-            <a:solidFill>
-              <a:srgbClr val="800000"/>
-            </a:solidFill>
-            <a:miter lim="800000"/>
-            <a:headEnd/>
-            <a:tailEnd/>
-          </a:ln>
-          <a:effectLst/>
-        </p:spPr>
-        <p:txBody>
-          <a:bodyPr wrap="none" anchor="ctr"/>
-          <a:lstStyle/>
-          <a:p>
-            <a:endParaRPr lang="es-ES"/>
-          </a:p>
-        </p:txBody>
-      </p:sp>
-    </p:spTree>
-  </p:cSld>
-  <p:clrMapOvr>
-    <a:masterClrMapping/>
-  </p:clrMapOvr>
-  <p:transition spd="slow">
-    <p:fade/>
-  </p:transition>
-  <p:timing>
-    <p:tnLst>
-      <p:par>
-        <p:cTn id="1" dur="indefinite" restart="never" nodeType="tmRoot"/>
-      </p:par>
-    </p:tnLst>
-  </p:timing>
-</p:sld>
-</file>
-
 <file path=ppt/slides/slide4.xml><?xml version="1.0" encoding="utf-8"?>
 <p:sld xmlns:a="http://schemas.openxmlformats.org/drawingml/2006/main" xmlns:r="http://schemas.openxmlformats.org/officeDocument/2006/relationships" xmlns:p="http://schemas.openxmlformats.org/presentationml/2006/main">
   <p:cSld>
@@ -19130,7 +19524,7 @@
       </p:grpSpPr>
       <p:sp>
         <p:nvSpPr>
-          <p:cNvPr id="3" name="2 Título"/>
+          <p:cNvPr id="19457" name="2 Título"/>
           <p:cNvSpPr txBox="1">
             <a:spLocks/>
           </p:cNvSpPr>
@@ -19212,7 +19606,7 @@
       </p:grpSpPr>
       <p:sp>
         <p:nvSpPr>
-          <p:cNvPr id="21505" name="2 Título"/>
+          <p:cNvPr id="20481" name="2 Título"/>
           <p:cNvSpPr txBox="1">
             <a:spLocks/>
           </p:cNvSpPr>
@@ -19257,7 +19651,7 @@
       </p:sp>
       <p:pic>
         <p:nvPicPr>
-          <p:cNvPr id="21508" name="Picture 4"/>
+          <p:cNvPr id="20482" name="Picture 4"/>
           <p:cNvPicPr>
             <a:picLocks noChangeAspect="1" noChangeArrowheads="1"/>
           </p:cNvPicPr>
@@ -19273,19 +19667,20 @@
         <p:spPr bwMode="auto">
           <a:xfrm>
             <a:off x="468313" y="2924175"/>
-            <a:ext cx="8208962" cy="2625725"/>
+            <a:ext cx="8064500" cy="2579688"/>
           </a:xfrm>
           <a:prstGeom prst="rect">
             <a:avLst/>
           </a:prstGeom>
           <a:noFill/>
           <a:ln w="9525">
-            <a:noFill/>
+            <a:solidFill>
+              <a:schemeClr val="accent2"/>
+            </a:solidFill>
             <a:miter lim="800000"/>
             <a:headEnd/>
             <a:tailEnd/>
           </a:ln>
-          <a:effectLst/>
         </p:spPr>
       </p:pic>
     </p:spTree>
@@ -19325,7 +19720,7 @@
       </p:grpSpPr>
       <p:sp>
         <p:nvSpPr>
-          <p:cNvPr id="3" name="2 Título"/>
+          <p:cNvPr id="22529" name="2 Título"/>
           <p:cNvSpPr txBox="1">
             <a:spLocks/>
           </p:cNvSpPr>
@@ -19407,7 +19802,7 @@
       </p:grpSpPr>
       <p:sp>
         <p:nvSpPr>
-          <p:cNvPr id="26625" name="2 Título"/>
+          <p:cNvPr id="23553" name="2 Título"/>
           <p:cNvSpPr txBox="1">
             <a:spLocks/>
           </p:cNvSpPr>
@@ -19452,7 +19847,7 @@
       </p:sp>
       <p:pic>
         <p:nvPicPr>
-          <p:cNvPr id="26628" name="Picture 4"/>
+          <p:cNvPr id="23554" name="Picture 4"/>
           <p:cNvPicPr>
             <a:picLocks noChangeAspect="1" noChangeArrowheads="1"/>
           </p:cNvPicPr>
@@ -19467,20 +19862,21 @@
         </p:blipFill>
         <p:spPr bwMode="auto">
           <a:xfrm>
-            <a:off x="2484438" y="2349500"/>
-            <a:ext cx="4505325" cy="3990975"/>
+            <a:off x="2268538" y="1989138"/>
+            <a:ext cx="5040312" cy="4465637"/>
           </a:xfrm>
           <a:prstGeom prst="rect">
             <a:avLst/>
           </a:prstGeom>
           <a:noFill/>
           <a:ln w="9525">
-            <a:noFill/>
+            <a:solidFill>
+              <a:schemeClr val="accent2"/>
+            </a:solidFill>
             <a:miter lim="800000"/>
             <a:headEnd/>
             <a:tailEnd/>
           </a:ln>
-          <a:effectLst/>
         </p:spPr>
       </p:pic>
     </p:spTree>
@@ -19520,7 +19916,7 @@
       </p:grpSpPr>
       <p:sp>
         <p:nvSpPr>
-          <p:cNvPr id="27649" name="2 Título"/>
+          <p:cNvPr id="24577" name="2 Título"/>
           <p:cNvSpPr txBox="1">
             <a:spLocks/>
           </p:cNvSpPr>
@@ -19565,7 +19961,7 @@
       </p:sp>
       <p:pic>
         <p:nvPicPr>
-          <p:cNvPr id="27652" name="Picture 4"/>
+          <p:cNvPr id="24578" name="Picture 4"/>
           <p:cNvPicPr>
             <a:picLocks noChangeAspect="1" noChangeArrowheads="1"/>
           </p:cNvPicPr>
@@ -19580,7 +19976,7 @@
         </p:blipFill>
         <p:spPr bwMode="auto">
           <a:xfrm>
-            <a:off x="971550" y="2708275"/>
+            <a:off x="1258888" y="2708275"/>
             <a:ext cx="6985000" cy="3243263"/>
           </a:xfrm>
           <a:prstGeom prst="rect">
@@ -19588,12 +19984,13 @@
           </a:prstGeom>
           <a:noFill/>
           <a:ln w="9525">
-            <a:noFill/>
+            <a:solidFill>
+              <a:schemeClr val="accent2"/>
+            </a:solidFill>
             <a:miter lim="800000"/>
             <a:headEnd/>
             <a:tailEnd/>
           </a:ln>
-          <a:effectLst/>
         </p:spPr>
       </p:pic>
     </p:spTree>
@@ -19633,7 +20030,7 @@
       </p:grpSpPr>
       <p:sp>
         <p:nvSpPr>
-          <p:cNvPr id="28673" name="2 Título"/>
+          <p:cNvPr id="25601" name="2 Título"/>
           <p:cNvSpPr txBox="1">
             <a:spLocks/>
           </p:cNvSpPr>
@@ -19678,7 +20075,7 @@
       </p:sp>
       <p:pic>
         <p:nvPicPr>
-          <p:cNvPr id="28676" name="Picture 4"/>
+          <p:cNvPr id="25602" name="Picture 4"/>
           <p:cNvPicPr>
             <a:picLocks noChangeAspect="1" noChangeArrowheads="1"/>
           </p:cNvPicPr>
@@ -19693,7 +20090,7 @@
         </p:blipFill>
         <p:spPr bwMode="auto">
           <a:xfrm>
-            <a:off x="468313" y="2781300"/>
+            <a:off x="1116013" y="2781300"/>
             <a:ext cx="7127875" cy="3032125"/>
           </a:xfrm>
           <a:prstGeom prst="rect">
@@ -19701,12 +20098,13 @@
           </a:prstGeom>
           <a:noFill/>
           <a:ln w="9525">
-            <a:noFill/>
+            <a:solidFill>
+              <a:schemeClr val="accent2"/>
+            </a:solidFill>
             <a:miter lim="800000"/>
             <a:headEnd/>
             <a:tailEnd/>
           </a:ln>
-          <a:effectLst/>
         </p:spPr>
       </p:pic>
     </p:spTree>

--- a/PPT ENTREGABLE2 CMMI.pptx
+++ b/PPT ENTREGABLE2 CMMI.pptx
@@ -5,7 +5,7 @@
     <p:sldMasterId id="2147483660" r:id="rId1"/>
   </p:sldMasterIdLst>
   <p:notesMasterIdLst>
-    <p:notesMasterId r:id="rId32"/>
+    <p:notesMasterId r:id="rId36"/>
   </p:notesMasterIdLst>
   <p:sldIdLst>
     <p:sldId id="256" r:id="rId2"/>
@@ -28,16 +28,20 @@
     <p:sldId id="404" r:id="rId19"/>
     <p:sldId id="401" r:id="rId20"/>
     <p:sldId id="405" r:id="rId21"/>
-    <p:sldId id="406" r:id="rId22"/>
-    <p:sldId id="407" r:id="rId23"/>
-    <p:sldId id="408" r:id="rId24"/>
-    <p:sldId id="409" r:id="rId25"/>
-    <p:sldId id="414" r:id="rId26"/>
-    <p:sldId id="410" r:id="rId27"/>
-    <p:sldId id="411" r:id="rId28"/>
-    <p:sldId id="412" r:id="rId29"/>
-    <p:sldId id="398" r:id="rId30"/>
-    <p:sldId id="413" r:id="rId31"/>
+    <p:sldId id="419" r:id="rId22"/>
+    <p:sldId id="416" r:id="rId23"/>
+    <p:sldId id="418" r:id="rId24"/>
+    <p:sldId id="406" r:id="rId25"/>
+    <p:sldId id="417" r:id="rId26"/>
+    <p:sldId id="408" r:id="rId27"/>
+    <p:sldId id="409" r:id="rId28"/>
+    <p:sldId id="414" r:id="rId29"/>
+    <p:sldId id="415" r:id="rId30"/>
+    <p:sldId id="410" r:id="rId31"/>
+    <p:sldId id="411" r:id="rId32"/>
+    <p:sldId id="412" r:id="rId33"/>
+    <p:sldId id="398" r:id="rId34"/>
+    <p:sldId id="413" r:id="rId35"/>
   </p:sldIdLst>
   <p:sldSz cx="9144000" cy="6858000" type="screen4x3"/>
   <p:notesSz cx="6858000" cy="9144000"/>
@@ -276,7 +280,7 @@
               <a:pPr>
                 <a:defRPr/>
               </a:pPr>
-              <a:t>05/10/2012</a:t>
+              <a:t>06/10/2012</a:t>
             </a:fld>
             <a:endParaRPr lang="es-PE"/>
           </a:p>
@@ -3137,7 +3141,7 @@
               <a:pPr>
                 <a:defRPr/>
               </a:pPr>
-              <a:t>05/10/2012</a:t>
+              <a:t>06/10/2012</a:t>
             </a:fld>
             <a:endParaRPr lang="es-PE"/>
           </a:p>
@@ -3348,7 +3352,7 @@
               <a:pPr>
                 <a:defRPr/>
               </a:pPr>
-              <a:t>05/10/2012</a:t>
+              <a:t>06/10/2012</a:t>
             </a:fld>
             <a:endParaRPr lang="es-PE"/>
           </a:p>
@@ -5256,7 +5260,7 @@
               <a:pPr>
                 <a:defRPr/>
               </a:pPr>
-              <a:t>05/10/2012</a:t>
+              <a:t>06/10/2012</a:t>
             </a:fld>
             <a:endParaRPr lang="es-PE"/>
           </a:p>
@@ -5376,7 +5380,7 @@
               <a:pPr>
                 <a:defRPr/>
               </a:pPr>
-              <a:t>05/10/2012</a:t>
+              <a:t>06/10/2012</a:t>
             </a:fld>
             <a:endParaRPr lang="es-PE"/>
           </a:p>
@@ -5571,7 +5575,7 @@
               <a:pPr>
                 <a:defRPr/>
               </a:pPr>
-              <a:t>05/10/2012</a:t>
+              <a:t>06/10/2012</a:t>
             </a:fld>
             <a:endParaRPr lang="es-PE"/>
           </a:p>
@@ -7491,7 +7495,7 @@
               <a:pPr>
                 <a:defRPr/>
               </a:pPr>
-              <a:t>05/10/2012</a:t>
+              <a:t>06/10/2012</a:t>
             </a:fld>
             <a:endParaRPr lang="es-PE"/>
           </a:p>
@@ -7748,7 +7752,7 @@
               <a:pPr>
                 <a:defRPr/>
               </a:pPr>
-              <a:t>05/10/2012</a:t>
+              <a:t>06/10/2012</a:t>
             </a:fld>
             <a:endParaRPr lang="es-PE"/>
           </a:p>
@@ -8205,7 +8209,7 @@
               <a:pPr>
                 <a:defRPr/>
               </a:pPr>
-              <a:t>05/10/2012</a:t>
+              <a:t>06/10/2012</a:t>
             </a:fld>
             <a:endParaRPr lang="es-PE"/>
           </a:p>
@@ -8348,7 +8352,7 @@
               <a:pPr>
                 <a:defRPr/>
               </a:pPr>
-              <a:t>05/10/2012</a:t>
+              <a:t>06/10/2012</a:t>
             </a:fld>
             <a:endParaRPr lang="es-PE"/>
           </a:p>
@@ -10132,7 +10136,7 @@
               <a:pPr>
                 <a:defRPr/>
               </a:pPr>
-              <a:t>05/10/2012</a:t>
+              <a:t>06/10/2012</a:t>
             </a:fld>
             <a:endParaRPr lang="es-PE"/>
           </a:p>
@@ -12151,7 +12155,7 @@
               <a:pPr>
                 <a:defRPr/>
               </a:pPr>
-              <a:t>05/10/2012</a:t>
+              <a:t>06/10/2012</a:t>
             </a:fld>
             <a:endParaRPr lang="es-PE"/>
           </a:p>
@@ -14141,7 +14145,7 @@
               <a:pPr>
                 <a:defRPr/>
               </a:pPr>
-              <a:t>05/10/2012</a:t>
+              <a:t>06/10/2012</a:t>
             </a:fld>
             <a:endParaRPr lang="es-PE"/>
           </a:p>
@@ -15992,7 +15996,7 @@
               <a:pPr>
                 <a:defRPr/>
               </a:pPr>
-              <a:t>05/10/2012</a:t>
+              <a:t>06/10/2012</a:t>
             </a:fld>
             <a:endParaRPr lang="es-PE"/>
           </a:p>
@@ -16606,7 +16610,9 @@
           </a:xfrm>
         </p:spPr>
         <p:txBody>
-          <a:bodyPr/>
+          <a:bodyPr>
+            <a:normAutofit fontScale="90000"/>
+          </a:bodyPr>
           <a:lstStyle/>
           <a:p>
             <a:pPr eaLnBrk="1" hangingPunct="1"/>
@@ -16743,7 +16749,7 @@
           <p:nvPr/>
         </p:nvPicPr>
         <p:blipFill>
-          <a:blip r:embed="rId2">
+          <a:blip r:embed="rId2" cstate="print">
             <a:clrChange>
               <a:clrFrom>
                 <a:srgbClr val="FFFFFF"/>
@@ -16950,7 +16956,7 @@
           <p:nvPr/>
         </p:nvPicPr>
         <p:blipFill>
-          <a:blip r:embed="rId3">
+          <a:blip r:embed="rId3" cstate="print">
             <a:clrChange>
               <a:clrFrom>
                 <a:srgbClr val="FFFFFF"/>
@@ -17077,7 +17083,7 @@
           <p:nvPr/>
         </p:nvPicPr>
         <p:blipFill>
-          <a:blip r:embed="rId3"/>
+          <a:blip r:embed="rId3" cstate="print"/>
           <a:srcRect/>
           <a:stretch>
             <a:fillRect/>
@@ -17193,7 +17199,7 @@
           <p:nvPr/>
         </p:nvPicPr>
         <p:blipFill>
-          <a:blip r:embed="rId3"/>
+          <a:blip r:embed="rId3" cstate="print"/>
           <a:srcRect/>
           <a:stretch>
             <a:fillRect/>
@@ -17309,7 +17315,7 @@
           <p:nvPr/>
         </p:nvPicPr>
         <p:blipFill>
-          <a:blip r:embed="rId3">
+          <a:blip r:embed="rId3" cstate="print">
             <a:clrChange>
               <a:clrFrom>
                 <a:srgbClr val="FFFFFF"/>
@@ -17470,7 +17476,7 @@
           <p:nvPr/>
         </p:nvPicPr>
         <p:blipFill>
-          <a:blip r:embed="rId2"/>
+          <a:blip r:embed="rId2" cstate="print"/>
           <a:srcRect/>
           <a:stretch>
             <a:fillRect/>
@@ -17502,7 +17508,7 @@
           <p:nvPr/>
         </p:nvPicPr>
         <p:blipFill>
-          <a:blip r:embed="rId3"/>
+          <a:blip r:embed="rId3" cstate="print"/>
           <a:srcRect/>
           <a:stretch>
             <a:fillRect/>
@@ -17534,7 +17540,7 @@
           <p:nvPr/>
         </p:nvPicPr>
         <p:blipFill>
-          <a:blip r:embed="rId4"/>
+          <a:blip r:embed="rId4" cstate="print"/>
           <a:srcRect/>
           <a:stretch>
             <a:fillRect/>
@@ -17683,7 +17689,7 @@
           <p:nvPr/>
         </p:nvPicPr>
         <p:blipFill>
-          <a:blip r:embed="rId2"/>
+          <a:blip r:embed="rId2" cstate="print"/>
           <a:srcRect/>
           <a:stretch>
             <a:fillRect/>
@@ -17799,7 +17805,7 @@
           <p:nvPr/>
         </p:nvPicPr>
         <p:blipFill>
-          <a:blip r:embed="rId2"/>
+          <a:blip r:embed="rId2" cstate="print"/>
           <a:srcRect/>
           <a:stretch>
             <a:fillRect/>
@@ -18105,6 +18111,39 @@
           </a:p>
         </p:txBody>
       </p:sp>
+      <p:pic>
+        <p:nvPicPr>
+          <p:cNvPr id="5122" name="Picture 2"/>
+          <p:cNvPicPr>
+            <a:picLocks noChangeAspect="1" noChangeArrowheads="1"/>
+          </p:cNvPicPr>
+          <p:nvPr/>
+        </p:nvPicPr>
+        <p:blipFill>
+          <a:blip r:embed="rId2" cstate="print"/>
+          <a:srcRect/>
+          <a:stretch>
+            <a:fillRect/>
+          </a:stretch>
+        </p:blipFill>
+        <p:spPr bwMode="auto">
+          <a:xfrm>
+            <a:off x="1477963" y="2235225"/>
+            <a:ext cx="6186487" cy="4002087"/>
+          </a:xfrm>
+          <a:prstGeom prst="rect">
+            <a:avLst/>
+          </a:prstGeom>
+          <a:noFill/>
+          <a:ln w="9525">
+            <a:noFill/>
+            <a:miter lim="800000"/>
+            <a:headEnd/>
+            <a:tailEnd/>
+          </a:ln>
+          <a:effectLst/>
+        </p:spPr>
+      </p:pic>
     </p:spTree>
   </p:cSld>
   <p:clrMapOvr>
@@ -18124,6 +18163,318 @@
 </file>
 
 <file path=ppt/slides/slide21.xml><?xml version="1.0" encoding="utf-8"?>
+<p:sld xmlns:a="http://schemas.openxmlformats.org/drawingml/2006/main" xmlns:r="http://schemas.openxmlformats.org/officeDocument/2006/relationships" xmlns:p="http://schemas.openxmlformats.org/presentationml/2006/main">
+  <p:cSld>
+    <p:spTree>
+      <p:nvGrpSpPr>
+        <p:cNvPr id="1" name=""/>
+        <p:cNvGrpSpPr/>
+        <p:nvPr/>
+      </p:nvGrpSpPr>
+      <p:grpSpPr>
+        <a:xfrm>
+          <a:off x="0" y="0"/>
+          <a:ext cx="0" cy="0"/>
+          <a:chOff x="0" y="0"/>
+          <a:chExt cx="0" cy="0"/>
+        </a:xfrm>
+      </p:grpSpPr>
+      <p:sp>
+        <p:nvSpPr>
+          <p:cNvPr id="40961" name="2 Título"/>
+          <p:cNvSpPr txBox="1">
+            <a:spLocks/>
+          </p:cNvSpPr>
+          <p:nvPr/>
+        </p:nvSpPr>
+        <p:spPr bwMode="auto">
+          <a:xfrm>
+            <a:off x="457200" y="338138"/>
+            <a:ext cx="8229600" cy="1252537"/>
+          </a:xfrm>
+          <a:prstGeom prst="rect">
+            <a:avLst/>
+          </a:prstGeom>
+          <a:noFill/>
+          <a:ln w="9525">
+            <a:noFill/>
+            <a:miter lim="800000"/>
+            <a:headEnd/>
+            <a:tailEnd/>
+          </a:ln>
+        </p:spPr>
+        <p:txBody>
+          <a:bodyPr anchor="ctr"/>
+          <a:lstStyle/>
+          <a:p>
+            <a:pPr marL="1257300" lvl="2" indent="-342900" algn="ctr"/>
+            <a:r>
+              <a:rPr lang="es-ES" b="1"/>
+              <a:t>Proceso: Planificar Proyectos Institucionales de Desarrollo de Software</a:t>
+            </a:r>
+          </a:p>
+        </p:txBody>
+      </p:sp>
+      <p:pic>
+        <p:nvPicPr>
+          <p:cNvPr id="6146" name="Picture 2"/>
+          <p:cNvPicPr>
+            <a:picLocks noChangeAspect="1" noChangeArrowheads="1"/>
+          </p:cNvPicPr>
+          <p:nvPr/>
+        </p:nvPicPr>
+        <p:blipFill>
+          <a:blip r:embed="rId2" cstate="print"/>
+          <a:srcRect/>
+          <a:stretch>
+            <a:fillRect/>
+          </a:stretch>
+        </p:blipFill>
+        <p:spPr bwMode="auto">
+          <a:xfrm>
+            <a:off x="1331640" y="2689696"/>
+            <a:ext cx="6262687" cy="3403600"/>
+          </a:xfrm>
+          <a:prstGeom prst="rect">
+            <a:avLst/>
+          </a:prstGeom>
+          <a:noFill/>
+          <a:ln w="9525">
+            <a:noFill/>
+            <a:miter lim="800000"/>
+            <a:headEnd/>
+            <a:tailEnd/>
+          </a:ln>
+          <a:effectLst/>
+        </p:spPr>
+      </p:pic>
+    </p:spTree>
+  </p:cSld>
+  <p:clrMapOvr>
+    <a:masterClrMapping/>
+  </p:clrMapOvr>
+  <p:transition spd="slow">
+    <p:fade/>
+  </p:transition>
+  <p:timing>
+    <p:tnLst>
+      <p:par>
+        <p:cTn id="1" dur="indefinite" restart="never" nodeType="tmRoot"/>
+      </p:par>
+    </p:tnLst>
+  </p:timing>
+</p:sld>
+</file>
+
+<file path=ppt/slides/slide22.xml><?xml version="1.0" encoding="utf-8"?>
+<p:sld xmlns:a="http://schemas.openxmlformats.org/drawingml/2006/main" xmlns:r="http://schemas.openxmlformats.org/officeDocument/2006/relationships" xmlns:p="http://schemas.openxmlformats.org/presentationml/2006/main">
+  <p:cSld>
+    <p:spTree>
+      <p:nvGrpSpPr>
+        <p:cNvPr id="1" name=""/>
+        <p:cNvGrpSpPr/>
+        <p:nvPr/>
+      </p:nvGrpSpPr>
+      <p:grpSpPr>
+        <a:xfrm>
+          <a:off x="0" y="0"/>
+          <a:ext cx="0" cy="0"/>
+          <a:chOff x="0" y="0"/>
+          <a:chExt cx="0" cy="0"/>
+        </a:xfrm>
+      </p:grpSpPr>
+      <p:sp>
+        <p:nvSpPr>
+          <p:cNvPr id="40961" name="2 Título"/>
+          <p:cNvSpPr txBox="1">
+            <a:spLocks/>
+          </p:cNvSpPr>
+          <p:nvPr/>
+        </p:nvSpPr>
+        <p:spPr bwMode="auto">
+          <a:xfrm>
+            <a:off x="457200" y="338138"/>
+            <a:ext cx="8229600" cy="1252537"/>
+          </a:xfrm>
+          <a:prstGeom prst="rect">
+            <a:avLst/>
+          </a:prstGeom>
+          <a:noFill/>
+          <a:ln w="9525">
+            <a:noFill/>
+            <a:miter lim="800000"/>
+            <a:headEnd/>
+            <a:tailEnd/>
+          </a:ln>
+        </p:spPr>
+        <p:txBody>
+          <a:bodyPr anchor="ctr"/>
+          <a:lstStyle/>
+          <a:p>
+            <a:pPr marL="1257300" lvl="2" indent="-342900" algn="ctr"/>
+            <a:r>
+              <a:rPr lang="es-ES" b="1"/>
+              <a:t>Proceso: Planificar Proyectos Institucionales de Desarrollo de Software</a:t>
+            </a:r>
+          </a:p>
+        </p:txBody>
+      </p:sp>
+      <p:pic>
+        <p:nvPicPr>
+          <p:cNvPr id="7170" name="Picture 2"/>
+          <p:cNvPicPr>
+            <a:picLocks noChangeAspect="1" noChangeArrowheads="1"/>
+          </p:cNvPicPr>
+          <p:nvPr/>
+        </p:nvPicPr>
+        <p:blipFill>
+          <a:blip r:embed="rId2" cstate="print"/>
+          <a:srcRect/>
+          <a:stretch>
+            <a:fillRect/>
+          </a:stretch>
+        </p:blipFill>
+        <p:spPr bwMode="auto">
+          <a:xfrm>
+            <a:off x="1471613" y="2231157"/>
+            <a:ext cx="6199187" cy="4294187"/>
+          </a:xfrm>
+          <a:prstGeom prst="rect">
+            <a:avLst/>
+          </a:prstGeom>
+          <a:noFill/>
+          <a:ln w="9525">
+            <a:noFill/>
+            <a:miter lim="800000"/>
+            <a:headEnd/>
+            <a:tailEnd/>
+          </a:ln>
+          <a:effectLst/>
+        </p:spPr>
+      </p:pic>
+    </p:spTree>
+  </p:cSld>
+  <p:clrMapOvr>
+    <a:masterClrMapping/>
+  </p:clrMapOvr>
+  <p:transition spd="slow">
+    <p:fade/>
+  </p:transition>
+  <p:timing>
+    <p:tnLst>
+      <p:par>
+        <p:cTn id="1" dur="indefinite" restart="never" nodeType="tmRoot"/>
+      </p:par>
+    </p:tnLst>
+  </p:timing>
+</p:sld>
+</file>
+
+<file path=ppt/slides/slide23.xml><?xml version="1.0" encoding="utf-8"?>
+<p:sld xmlns:a="http://schemas.openxmlformats.org/drawingml/2006/main" xmlns:r="http://schemas.openxmlformats.org/officeDocument/2006/relationships" xmlns:p="http://schemas.openxmlformats.org/presentationml/2006/main">
+  <p:cSld>
+    <p:spTree>
+      <p:nvGrpSpPr>
+        <p:cNvPr id="1" name=""/>
+        <p:cNvGrpSpPr/>
+        <p:nvPr/>
+      </p:nvGrpSpPr>
+      <p:grpSpPr>
+        <a:xfrm>
+          <a:off x="0" y="0"/>
+          <a:ext cx="0" cy="0"/>
+          <a:chOff x="0" y="0"/>
+          <a:chExt cx="0" cy="0"/>
+        </a:xfrm>
+      </p:grpSpPr>
+      <p:sp>
+        <p:nvSpPr>
+          <p:cNvPr id="40961" name="2 Título"/>
+          <p:cNvSpPr txBox="1">
+            <a:spLocks/>
+          </p:cNvSpPr>
+          <p:nvPr/>
+        </p:nvSpPr>
+        <p:spPr bwMode="auto">
+          <a:xfrm>
+            <a:off x="457200" y="338138"/>
+            <a:ext cx="8229600" cy="1252537"/>
+          </a:xfrm>
+          <a:prstGeom prst="rect">
+            <a:avLst/>
+          </a:prstGeom>
+          <a:noFill/>
+          <a:ln w="9525">
+            <a:noFill/>
+            <a:miter lim="800000"/>
+            <a:headEnd/>
+            <a:tailEnd/>
+          </a:ln>
+        </p:spPr>
+        <p:txBody>
+          <a:bodyPr anchor="ctr"/>
+          <a:lstStyle/>
+          <a:p>
+            <a:pPr marL="1257300" lvl="2" indent="-342900" algn="ctr"/>
+            <a:r>
+              <a:rPr lang="es-ES" b="1"/>
+              <a:t>Proceso: Planificar Proyectos Institucionales de Desarrollo de Software</a:t>
+            </a:r>
+          </a:p>
+        </p:txBody>
+      </p:sp>
+      <p:pic>
+        <p:nvPicPr>
+          <p:cNvPr id="8194" name="Picture 2"/>
+          <p:cNvPicPr>
+            <a:picLocks noChangeAspect="1" noChangeArrowheads="1"/>
+          </p:cNvPicPr>
+          <p:nvPr/>
+        </p:nvPicPr>
+        <p:blipFill>
+          <a:blip r:embed="rId2" cstate="print"/>
+          <a:srcRect/>
+          <a:stretch>
+            <a:fillRect/>
+          </a:stretch>
+        </p:blipFill>
+        <p:spPr bwMode="auto">
+          <a:xfrm>
+            <a:off x="1484313" y="2408833"/>
+            <a:ext cx="6173787" cy="3900487"/>
+          </a:xfrm>
+          <a:prstGeom prst="rect">
+            <a:avLst/>
+          </a:prstGeom>
+          <a:noFill/>
+          <a:ln w="9525">
+            <a:noFill/>
+            <a:miter lim="800000"/>
+            <a:headEnd/>
+            <a:tailEnd/>
+          </a:ln>
+          <a:effectLst/>
+        </p:spPr>
+      </p:pic>
+    </p:spTree>
+  </p:cSld>
+  <p:clrMapOvr>
+    <a:masterClrMapping/>
+  </p:clrMapOvr>
+  <p:transition spd="slow">
+    <p:fade/>
+  </p:transition>
+  <p:timing>
+    <p:tnLst>
+      <p:par>
+        <p:cTn id="1" dur="indefinite" restart="never" nodeType="tmRoot"/>
+      </p:par>
+    </p:tnLst>
+  </p:timing>
+</p:sld>
+</file>
+
+<file path=ppt/slides/slide24.xml><?xml version="1.0" encoding="utf-8"?>
 <p:sld xmlns:a="http://schemas.openxmlformats.org/drawingml/2006/main" xmlns:r="http://schemas.openxmlformats.org/officeDocument/2006/relationships" xmlns:p="http://schemas.openxmlformats.org/presentationml/2006/main">
   <p:cSld>
     <p:spTree>
@@ -18176,6 +18527,39 @@
           </a:p>
         </p:txBody>
       </p:sp>
+      <p:pic>
+        <p:nvPicPr>
+          <p:cNvPr id="4098" name="Picture 2"/>
+          <p:cNvPicPr>
+            <a:picLocks noChangeAspect="1" noChangeArrowheads="1"/>
+          </p:cNvPicPr>
+          <p:nvPr/>
+        </p:nvPicPr>
+        <p:blipFill>
+          <a:blip r:embed="rId2" cstate="print"/>
+          <a:srcRect r="1583"/>
+          <a:stretch>
+            <a:fillRect/>
+          </a:stretch>
+        </p:blipFill>
+        <p:spPr bwMode="auto">
+          <a:xfrm>
+            <a:off x="107504" y="1412776"/>
+            <a:ext cx="8964488" cy="5269175"/>
+          </a:xfrm>
+          <a:prstGeom prst="rect">
+            <a:avLst/>
+          </a:prstGeom>
+          <a:noFill/>
+          <a:ln w="9525">
+            <a:noFill/>
+            <a:miter lim="800000"/>
+            <a:headEnd/>
+            <a:tailEnd/>
+          </a:ln>
+          <a:effectLst/>
+        </p:spPr>
+      </p:pic>
     </p:spTree>
   </p:cSld>
   <p:clrMapOvr>
@@ -18194,8 +18578,8 @@
 </p:sld>
 </file>
 
-<file path=ppt/slides/slide22.xml><?xml version="1.0" encoding="utf-8"?>
-<p:sld xmlns:a="http://schemas.openxmlformats.org/drawingml/2006/main" xmlns:r="http://schemas.openxmlformats.org/officeDocument/2006/relationships" xmlns:p="http://schemas.openxmlformats.org/presentationml/2006/main">
+<file path=ppt/slides/slide25.xml><?xml version="1.0" encoding="utf-8"?>
+<p:sld xmlns:a="http://schemas.openxmlformats.org/drawingml/2006/main" xmlns:r="http://schemas.openxmlformats.org/officeDocument/2006/relationships" xmlns:p="http://schemas.openxmlformats.org/presentationml/2006/main" show="0">
   <p:cSld>
     <p:spTree>
       <p:nvGrpSpPr>
@@ -18213,7 +18597,7 @@
       </p:grpSpPr>
       <p:sp>
         <p:nvSpPr>
-          <p:cNvPr id="43009" name="2 Título"/>
+          <p:cNvPr id="40961" name="2 Título"/>
           <p:cNvSpPr txBox="1">
             <a:spLocks/>
           </p:cNvSpPr>
@@ -18241,8 +18625,16 @@
           <a:p>
             <a:pPr marL="1257300" lvl="2" indent="-342900" algn="ctr"/>
             <a:r>
-              <a:rPr lang="es-ES" b="1"/>
-              <a:t>Matriz: Planificar Proyectos Institucionales de Desarrollo de Software</a:t>
+              <a:rPr lang="es-ES" b="1" dirty="0" smtClean="0"/>
+              <a:t>Matriz</a:t>
+            </a:r>
+            <a:r>
+              <a:rPr lang="es-ES" b="1" dirty="0" smtClean="0"/>
+              <a:t>: </a:t>
+            </a:r>
+            <a:r>
+              <a:rPr lang="es-ES" b="1" dirty="0"/>
+              <a:t>Planificar Proyectos Institucionales de Desarrollo de Software</a:t>
             </a:r>
           </a:p>
         </p:txBody>
@@ -18265,7 +18657,7 @@
 </p:sld>
 </file>
 
-<file path=ppt/slides/slide23.xml><?xml version="1.0" encoding="utf-8"?>
+<file path=ppt/slides/slide26.xml><?xml version="1.0" encoding="utf-8"?>
 <p:sld xmlns:a="http://schemas.openxmlformats.org/drawingml/2006/main" xmlns:r="http://schemas.openxmlformats.org/officeDocument/2006/relationships" xmlns:p="http://schemas.openxmlformats.org/presentationml/2006/main">
   <p:cSld>
     <p:spTree>
@@ -18465,7 +18857,7 @@
 </p:sld>
 </file>
 
-<file path=ppt/slides/slide24.xml><?xml version="1.0" encoding="utf-8"?>
+<file path=ppt/slides/slide27.xml><?xml version="1.0" encoding="utf-8"?>
 <p:sld xmlns:a="http://schemas.openxmlformats.org/drawingml/2006/main" xmlns:r="http://schemas.openxmlformats.org/officeDocument/2006/relationships" xmlns:p="http://schemas.openxmlformats.org/presentationml/2006/main">
   <p:cSld>
     <p:spTree>
@@ -18492,7 +18884,7 @@
         </p:nvSpPr>
         <p:spPr bwMode="auto">
           <a:xfrm>
-            <a:off x="457200" y="338138"/>
+            <a:off x="457200" y="44624"/>
             <a:ext cx="8229600" cy="1252537"/>
           </a:xfrm>
           <a:prstGeom prst="rect">
@@ -18512,7 +18904,7 @@
           <a:p>
             <a:pPr marL="1257300" lvl="2" indent="-342900" algn="ctr"/>
             <a:r>
-              <a:rPr lang="es-ES" b="1"/>
+              <a:rPr lang="es-ES" b="1" dirty="0"/>
               <a:t>Proceso: Controlar y Monitorear Proyectos Institucionales de Desarrollo de Software</a:t>
             </a:r>
           </a:p>
@@ -18520,14 +18912,14 @@
       </p:sp>
       <p:pic>
         <p:nvPicPr>
-          <p:cNvPr id="45060" name="Picture 4"/>
+          <p:cNvPr id="1026" name="Picture 2"/>
           <p:cNvPicPr>
             <a:picLocks noChangeAspect="1" noChangeArrowheads="1"/>
           </p:cNvPicPr>
           <p:nvPr/>
         </p:nvPicPr>
         <p:blipFill>
-          <a:blip r:embed="rId2"/>
+          <a:blip r:embed="rId2" cstate="print"/>
           <a:srcRect/>
           <a:stretch>
             <a:fillRect/>
@@ -18535,17 +18927,15 @@
         </p:blipFill>
         <p:spPr bwMode="auto">
           <a:xfrm>
-            <a:off x="2643188" y="1700213"/>
-            <a:ext cx="4089400" cy="4954587"/>
+            <a:off x="1331640" y="1164977"/>
+            <a:ext cx="6758260" cy="5648399"/>
           </a:xfrm>
           <a:prstGeom prst="rect">
             <a:avLst/>
           </a:prstGeom>
           <a:noFill/>
           <a:ln w="9525">
-            <a:solidFill>
-              <a:schemeClr val="accent2"/>
-            </a:solidFill>
+            <a:noFill/>
             <a:miter lim="800000"/>
             <a:headEnd/>
             <a:tailEnd/>
@@ -18571,7 +18961,7 @@
 </p:sld>
 </file>
 
-<file path=ppt/slides/slide25.xml><?xml version="1.0" encoding="utf-8"?>
+<file path=ppt/slides/slide28.xml><?xml version="1.0" encoding="utf-8"?>
 <p:sld xmlns:a="http://schemas.openxmlformats.org/drawingml/2006/main" xmlns:r="http://schemas.openxmlformats.org/officeDocument/2006/relationships" xmlns:p="http://schemas.openxmlformats.org/presentationml/2006/main">
   <p:cSld>
     <p:spTree>
@@ -18626,14 +19016,14 @@
       </p:sp>
       <p:pic>
         <p:nvPicPr>
-          <p:cNvPr id="57348" name="Picture 4"/>
+          <p:cNvPr id="3074" name="Picture 2"/>
           <p:cNvPicPr>
             <a:picLocks noChangeAspect="1" noChangeArrowheads="1"/>
           </p:cNvPicPr>
           <p:nvPr/>
         </p:nvPicPr>
         <p:blipFill>
-          <a:blip r:embed="rId2"/>
+          <a:blip r:embed="rId2" cstate="print"/>
           <a:srcRect/>
           <a:stretch>
             <a:fillRect/>
@@ -18641,17 +19031,15 @@
         </p:blipFill>
         <p:spPr bwMode="auto">
           <a:xfrm>
-            <a:off x="2700338" y="1757363"/>
-            <a:ext cx="4254500" cy="5056187"/>
+            <a:off x="1033463" y="2638896"/>
+            <a:ext cx="7075487" cy="3454400"/>
           </a:xfrm>
           <a:prstGeom prst="rect">
             <a:avLst/>
           </a:prstGeom>
           <a:noFill/>
           <a:ln w="9525">
-            <a:solidFill>
-              <a:schemeClr val="accent2"/>
-            </a:solidFill>
+            <a:noFill/>
             <a:miter lim="800000"/>
             <a:headEnd/>
             <a:tailEnd/>
@@ -18677,7 +19065,259 @@
 </p:sld>
 </file>
 
-<file path=ppt/slides/slide26.xml><?xml version="1.0" encoding="utf-8"?>
+<file path=ppt/slides/slide29.xml><?xml version="1.0" encoding="utf-8"?>
+<p:sld xmlns:a="http://schemas.openxmlformats.org/drawingml/2006/main" xmlns:r="http://schemas.openxmlformats.org/officeDocument/2006/relationships" xmlns:p="http://schemas.openxmlformats.org/presentationml/2006/main">
+  <p:cSld>
+    <p:spTree>
+      <p:nvGrpSpPr>
+        <p:cNvPr id="1" name=""/>
+        <p:cNvGrpSpPr/>
+        <p:nvPr/>
+      </p:nvGrpSpPr>
+      <p:grpSpPr>
+        <a:xfrm>
+          <a:off x="0" y="0"/>
+          <a:ext cx="0" cy="0"/>
+          <a:chOff x="0" y="0"/>
+          <a:chExt cx="0" cy="0"/>
+        </a:xfrm>
+      </p:grpSpPr>
+      <p:sp>
+        <p:nvSpPr>
+          <p:cNvPr id="57346" name="2 Título"/>
+          <p:cNvSpPr txBox="1">
+            <a:spLocks/>
+          </p:cNvSpPr>
+          <p:nvPr/>
+        </p:nvSpPr>
+        <p:spPr bwMode="auto">
+          <a:xfrm>
+            <a:off x="457200" y="338138"/>
+            <a:ext cx="8229600" cy="1252537"/>
+          </a:xfrm>
+          <a:prstGeom prst="rect">
+            <a:avLst/>
+          </a:prstGeom>
+          <a:noFill/>
+          <a:ln w="9525">
+            <a:noFill/>
+            <a:miter lim="800000"/>
+            <a:headEnd/>
+            <a:tailEnd/>
+          </a:ln>
+        </p:spPr>
+        <p:txBody>
+          <a:bodyPr anchor="ctr"/>
+          <a:lstStyle/>
+          <a:p>
+            <a:pPr marL="1257300" lvl="2" indent="-342900" algn="ctr"/>
+            <a:r>
+              <a:rPr lang="es-ES" b="1"/>
+              <a:t>Proceso: Controlar y Monitorear Proyectos Institucionales de Desarrollo de Software</a:t>
+            </a:r>
+          </a:p>
+        </p:txBody>
+      </p:sp>
+      <p:pic>
+        <p:nvPicPr>
+          <p:cNvPr id="2050" name="Picture 2"/>
+          <p:cNvPicPr>
+            <a:picLocks noChangeAspect="1" noChangeArrowheads="1"/>
+          </p:cNvPicPr>
+          <p:nvPr/>
+        </p:nvPicPr>
+        <p:blipFill>
+          <a:blip r:embed="rId2" cstate="print"/>
+          <a:srcRect/>
+          <a:stretch>
+            <a:fillRect/>
+          </a:stretch>
+        </p:blipFill>
+        <p:spPr bwMode="auto">
+          <a:xfrm>
+            <a:off x="957263" y="2676872"/>
+            <a:ext cx="7227887" cy="3200400"/>
+          </a:xfrm>
+          <a:prstGeom prst="rect">
+            <a:avLst/>
+          </a:prstGeom>
+          <a:noFill/>
+          <a:ln w="9525">
+            <a:noFill/>
+            <a:miter lim="800000"/>
+            <a:headEnd/>
+            <a:tailEnd/>
+          </a:ln>
+          <a:effectLst/>
+        </p:spPr>
+      </p:pic>
+    </p:spTree>
+  </p:cSld>
+  <p:clrMapOvr>
+    <a:masterClrMapping/>
+  </p:clrMapOvr>
+  <p:transition spd="slow">
+    <p:fade/>
+  </p:transition>
+  <p:timing>
+    <p:tnLst>
+      <p:par>
+        <p:cTn id="1" dur="indefinite" restart="never" nodeType="tmRoot"/>
+      </p:par>
+    </p:tnLst>
+  </p:timing>
+</p:sld>
+</file>
+
+<file path=ppt/slides/slide3.xml><?xml version="1.0" encoding="utf-8"?>
+<p:sld xmlns:a="http://schemas.openxmlformats.org/drawingml/2006/main" xmlns:r="http://schemas.openxmlformats.org/officeDocument/2006/relationships" xmlns:p="http://schemas.openxmlformats.org/presentationml/2006/main">
+  <p:cSld>
+    <p:spTree>
+      <p:nvGrpSpPr>
+        <p:cNvPr id="1" name=""/>
+        <p:cNvGrpSpPr/>
+        <p:nvPr/>
+      </p:nvGrpSpPr>
+      <p:grpSpPr>
+        <a:xfrm>
+          <a:off x="0" y="0"/>
+          <a:ext cx="0" cy="0"/>
+          <a:chOff x="0" y="0"/>
+          <a:chExt cx="0" cy="0"/>
+        </a:xfrm>
+      </p:grpSpPr>
+      <p:sp>
+        <p:nvSpPr>
+          <p:cNvPr id="17409" name="2 Título"/>
+          <p:cNvSpPr txBox="1">
+            <a:spLocks/>
+          </p:cNvSpPr>
+          <p:nvPr/>
+        </p:nvSpPr>
+        <p:spPr bwMode="auto">
+          <a:xfrm>
+            <a:off x="457200" y="338138"/>
+            <a:ext cx="8229600" cy="1252537"/>
+          </a:xfrm>
+          <a:prstGeom prst="rect">
+            <a:avLst/>
+          </a:prstGeom>
+          <a:noFill/>
+          <a:ln w="9525">
+            <a:noFill/>
+            <a:miter lim="800000"/>
+            <a:headEnd/>
+            <a:tailEnd/>
+          </a:ln>
+        </p:spPr>
+        <p:txBody>
+          <a:bodyPr anchor="ctr"/>
+          <a:lstStyle/>
+          <a:p>
+            <a:pPr algn="ctr">
+              <a:lnSpc>
+                <a:spcPct val="90000"/>
+              </a:lnSpc>
+            </a:pPr>
+            <a:r>
+              <a:rPr lang="es-PE" sz="3200" b="1">
+                <a:solidFill>
+                  <a:srgbClr val="FFFFFF"/>
+                </a:solidFill>
+                <a:latin typeface="Candara" pitchFamily="34" charset="0"/>
+              </a:rPr>
+              <a:t>Organigrama Institucional</a:t>
+            </a:r>
+          </a:p>
+        </p:txBody>
+      </p:sp>
+      <p:pic>
+        <p:nvPicPr>
+          <p:cNvPr id="17410" name="Imagen 1"/>
+          <p:cNvPicPr>
+            <a:picLocks noChangeAspect="1" noChangeArrowheads="1"/>
+          </p:cNvPicPr>
+          <p:nvPr/>
+        </p:nvPicPr>
+        <p:blipFill>
+          <a:blip r:embed="rId3" cstate="print"/>
+          <a:srcRect/>
+          <a:stretch>
+            <a:fillRect/>
+          </a:stretch>
+        </p:blipFill>
+        <p:spPr bwMode="auto">
+          <a:xfrm>
+            <a:off x="1116013" y="1557338"/>
+            <a:ext cx="7200900" cy="5094287"/>
+          </a:xfrm>
+          <a:prstGeom prst="rect">
+            <a:avLst/>
+          </a:prstGeom>
+          <a:noFill/>
+          <a:ln w="9525">
+            <a:solidFill>
+              <a:schemeClr val="accent2"/>
+            </a:solidFill>
+            <a:miter lim="800000"/>
+            <a:headEnd/>
+            <a:tailEnd/>
+          </a:ln>
+        </p:spPr>
+      </p:pic>
+      <p:sp>
+        <p:nvSpPr>
+          <p:cNvPr id="17411" name="Rectangle 5"/>
+          <p:cNvSpPr>
+            <a:spLocks noChangeArrowheads="1"/>
+          </p:cNvSpPr>
+          <p:nvPr/>
+        </p:nvSpPr>
+        <p:spPr bwMode="auto">
+          <a:xfrm>
+            <a:off x="2771725" y="4149725"/>
+            <a:ext cx="792163" cy="503238"/>
+          </a:xfrm>
+          <a:prstGeom prst="rect">
+            <a:avLst/>
+          </a:prstGeom>
+          <a:noFill/>
+          <a:ln w="19050">
+            <a:solidFill>
+              <a:srgbClr val="800000"/>
+            </a:solidFill>
+            <a:miter lim="800000"/>
+            <a:headEnd/>
+            <a:tailEnd/>
+          </a:ln>
+        </p:spPr>
+        <p:txBody>
+          <a:bodyPr wrap="none" anchor="ctr"/>
+          <a:lstStyle/>
+          <a:p>
+            <a:endParaRPr lang="es-ES"/>
+          </a:p>
+        </p:txBody>
+      </p:sp>
+    </p:spTree>
+  </p:cSld>
+  <p:clrMapOvr>
+    <a:masterClrMapping/>
+  </p:clrMapOvr>
+  <p:transition spd="slow">
+    <p:fade/>
+  </p:transition>
+  <p:timing>
+    <p:tnLst>
+      <p:par>
+        <p:cTn id="1" dur="indefinite" restart="never" nodeType="tmRoot"/>
+      </p:par>
+    </p:tnLst>
+  </p:timing>
+</p:sld>
+</file>
+
+<file path=ppt/slides/slide30.xml><?xml version="1.0" encoding="utf-8"?>
 <p:sld xmlns:a="http://schemas.openxmlformats.org/drawingml/2006/main" xmlns:r="http://schemas.openxmlformats.org/officeDocument/2006/relationships" xmlns:p="http://schemas.openxmlformats.org/presentationml/2006/main">
   <p:cSld>
     <p:spTree>
@@ -18730,6 +19370,29 @@
           </a:p>
         </p:txBody>
       </p:sp>
+      <p:pic>
+        <p:nvPicPr>
+          <p:cNvPr id="3" name="0 Imagen" descr="PMC_ProyInstitucionales_INEI.png"/>
+          <p:cNvPicPr/>
+          <p:nvPr/>
+        </p:nvPicPr>
+        <p:blipFill>
+          <a:blip r:embed="rId2" cstate="print"/>
+          <a:srcRect l="878" b="11408"/>
+          <a:stretch>
+            <a:fillRect/>
+          </a:stretch>
+        </p:blipFill>
+        <p:spPr>
+          <a:xfrm>
+            <a:off x="179512" y="2204864"/>
+            <a:ext cx="8712968" cy="3888432"/>
+          </a:xfrm>
+          <a:prstGeom prst="rect">
+            <a:avLst/>
+          </a:prstGeom>
+        </p:spPr>
+      </p:pic>
     </p:spTree>
   </p:cSld>
   <p:clrMapOvr>
@@ -18748,8 +19411,8 @@
 </p:sld>
 </file>
 
-<file path=ppt/slides/slide27.xml><?xml version="1.0" encoding="utf-8"?>
-<p:sld xmlns:a="http://schemas.openxmlformats.org/drawingml/2006/main" xmlns:r="http://schemas.openxmlformats.org/officeDocument/2006/relationships" xmlns:p="http://schemas.openxmlformats.org/presentationml/2006/main">
+<file path=ppt/slides/slide31.xml><?xml version="1.0" encoding="utf-8"?>
+<p:sld xmlns:a="http://schemas.openxmlformats.org/drawingml/2006/main" xmlns:r="http://schemas.openxmlformats.org/officeDocument/2006/relationships" xmlns:p="http://schemas.openxmlformats.org/presentationml/2006/main" show="0">
   <p:cSld>
     <p:spTree>
       <p:nvGrpSpPr>
@@ -18819,7 +19482,7 @@
 </p:sld>
 </file>
 
-<file path=ppt/slides/slide28.xml><?xml version="1.0" encoding="utf-8"?>
+<file path=ppt/slides/slide32.xml><?xml version="1.0" encoding="utf-8"?>
 <p:sld xmlns:a="http://schemas.openxmlformats.org/drawingml/2006/main" xmlns:r="http://schemas.openxmlformats.org/officeDocument/2006/relationships" xmlns:p="http://schemas.openxmlformats.org/presentationml/2006/main">
   <p:cSld>
     <p:spTree>
@@ -18965,7 +19628,7 @@
 </p:sld>
 </file>
 
-<file path=ppt/slides/slide29.xml><?xml version="1.0" encoding="utf-8"?>
+<file path=ppt/slides/slide33.xml><?xml version="1.0" encoding="utf-8"?>
 <p:sld xmlns:a="http://schemas.openxmlformats.org/drawingml/2006/main" xmlns:r="http://schemas.openxmlformats.org/officeDocument/2006/relationships" xmlns:p="http://schemas.openxmlformats.org/presentationml/2006/main">
   <p:cSld>
     <p:spTree>
@@ -19038,7 +19701,7 @@
         <p:spPr bwMode="auto">
           <a:xfrm>
             <a:off x="539750" y="1628775"/>
-            <a:ext cx="8085138" cy="3889375"/>
+            <a:ext cx="8136706" cy="4320505"/>
           </a:xfrm>
           <a:prstGeom prst="rect">
             <a:avLst/>
@@ -19055,16 +19718,26 @@
           <a:bodyPr anchor="ctr"/>
           <a:lstStyle/>
           <a:p>
-            <a:pPr algn="ctr"/>
             <a:r>
-              <a:rPr lang="es-PE">
-                <a:latin typeface="Candara" pitchFamily="34" charset="0"/>
-              </a:rPr>
-              <a:t>xxxx</a:t>
+              <a:rPr lang="es-ES_tradnl" dirty="0" smtClean="0"/>
+              <a:t>De acuerdo al estudio de la situación actual de la Oficina Técnica de Desarrollo de Sistemas (OTIN) del  INEI se puede concluir que el nivel de capacidad para el desarrollo de Sistemas  es  IMCOMPLETO - 0,  al no  cumplir  las prácticas específicas en un 100%, de las áreas de proceso revisadas. </a:t>
             </a:r>
-            <a:endParaRPr lang="es-ES">
-              <a:latin typeface="Candara" pitchFamily="34" charset="0"/>
-            </a:endParaRPr>
+            <a:endParaRPr lang="es-PE" dirty="0" smtClean="0"/>
+          </a:p>
+          <a:p>
+            <a:r>
+              <a:rPr lang="es-ES_tradnl" dirty="0" smtClean="0"/>
+              <a:t>Además, se ha determinado que los procesos por los cuales conviene comenzar a optimizar serían los que  están más cerca de cumplir las todas las prácticas, en este caso empezaríamos con PP, ya que es el área de proceso que está</a:t>
+            </a:r>
+            <a:r>
+              <a:rPr lang="es-ES" dirty="0" smtClean="0"/>
+              <a:t> más próxima a obtener el nivel de capacidad 1, al tener dos(02) prácticas especifica s por cumplir. En el caso de las áreas de procesos </a:t>
+            </a:r>
+            <a:r>
+              <a:rPr lang="es-ES_tradnl" dirty="0" smtClean="0"/>
+              <a:t> PMC y  REQM, las cuales necesitan mayor atención dado a la cantidad de prácticas específicas no cumplidas continuarían en ese orden; el fin es que se pueda trabajar en base a una experiencia de éxito, como es el caso del proceso PP. Por otro lado se podría mencionar adicionalmente que las mejoras se darán por Nivel de capacidad de representación continua en el área y no por Nivel de madurez.</a:t>
+            </a:r>
+            <a:endParaRPr lang="es-PE" dirty="0"/>
           </a:p>
         </p:txBody>
       </p:sp>
@@ -19086,155 +19759,7 @@
 </p:sld>
 </file>
 
-<file path=ppt/slides/slide3.xml><?xml version="1.0" encoding="utf-8"?>
-<p:sld xmlns:a="http://schemas.openxmlformats.org/drawingml/2006/main" xmlns:r="http://schemas.openxmlformats.org/officeDocument/2006/relationships" xmlns:p="http://schemas.openxmlformats.org/presentationml/2006/main">
-  <p:cSld>
-    <p:spTree>
-      <p:nvGrpSpPr>
-        <p:cNvPr id="1" name=""/>
-        <p:cNvGrpSpPr/>
-        <p:nvPr/>
-      </p:nvGrpSpPr>
-      <p:grpSpPr>
-        <a:xfrm>
-          <a:off x="0" y="0"/>
-          <a:ext cx="0" cy="0"/>
-          <a:chOff x="0" y="0"/>
-          <a:chExt cx="0" cy="0"/>
-        </a:xfrm>
-      </p:grpSpPr>
-      <p:sp>
-        <p:nvSpPr>
-          <p:cNvPr id="17409" name="2 Título"/>
-          <p:cNvSpPr txBox="1">
-            <a:spLocks/>
-          </p:cNvSpPr>
-          <p:nvPr/>
-        </p:nvSpPr>
-        <p:spPr bwMode="auto">
-          <a:xfrm>
-            <a:off x="457200" y="338138"/>
-            <a:ext cx="8229600" cy="1252537"/>
-          </a:xfrm>
-          <a:prstGeom prst="rect">
-            <a:avLst/>
-          </a:prstGeom>
-          <a:noFill/>
-          <a:ln w="9525">
-            <a:noFill/>
-            <a:miter lim="800000"/>
-            <a:headEnd/>
-            <a:tailEnd/>
-          </a:ln>
-        </p:spPr>
-        <p:txBody>
-          <a:bodyPr anchor="ctr"/>
-          <a:lstStyle/>
-          <a:p>
-            <a:pPr algn="ctr">
-              <a:lnSpc>
-                <a:spcPct val="90000"/>
-              </a:lnSpc>
-            </a:pPr>
-            <a:r>
-              <a:rPr lang="es-PE" sz="3200" b="1">
-                <a:solidFill>
-                  <a:srgbClr val="FFFFFF"/>
-                </a:solidFill>
-                <a:latin typeface="Candara" pitchFamily="34" charset="0"/>
-              </a:rPr>
-              <a:t>Organigrama Institucional</a:t>
-            </a:r>
-          </a:p>
-        </p:txBody>
-      </p:sp>
-      <p:pic>
-        <p:nvPicPr>
-          <p:cNvPr id="17410" name="Imagen 1"/>
-          <p:cNvPicPr>
-            <a:picLocks noChangeAspect="1" noChangeArrowheads="1"/>
-          </p:cNvPicPr>
-          <p:nvPr/>
-        </p:nvPicPr>
-        <p:blipFill>
-          <a:blip r:embed="rId3"/>
-          <a:srcRect/>
-          <a:stretch>
-            <a:fillRect/>
-          </a:stretch>
-        </p:blipFill>
-        <p:spPr bwMode="auto">
-          <a:xfrm>
-            <a:off x="1116013" y="1557338"/>
-            <a:ext cx="7200900" cy="5094287"/>
-          </a:xfrm>
-          <a:prstGeom prst="rect">
-            <a:avLst/>
-          </a:prstGeom>
-          <a:noFill/>
-          <a:ln w="9525">
-            <a:solidFill>
-              <a:schemeClr val="accent2"/>
-            </a:solidFill>
-            <a:miter lim="800000"/>
-            <a:headEnd/>
-            <a:tailEnd/>
-          </a:ln>
-        </p:spPr>
-      </p:pic>
-      <p:sp>
-        <p:nvSpPr>
-          <p:cNvPr id="17411" name="Rectangle 5"/>
-          <p:cNvSpPr>
-            <a:spLocks noChangeArrowheads="1"/>
-          </p:cNvSpPr>
-          <p:nvPr/>
-        </p:nvSpPr>
-        <p:spPr bwMode="auto">
-          <a:xfrm>
-            <a:off x="2555875" y="4149725"/>
-            <a:ext cx="792163" cy="503238"/>
-          </a:xfrm>
-          <a:prstGeom prst="rect">
-            <a:avLst/>
-          </a:prstGeom>
-          <a:noFill/>
-          <a:ln w="19050">
-            <a:solidFill>
-              <a:srgbClr val="800000"/>
-            </a:solidFill>
-            <a:miter lim="800000"/>
-            <a:headEnd/>
-            <a:tailEnd/>
-          </a:ln>
-        </p:spPr>
-        <p:txBody>
-          <a:bodyPr wrap="none" anchor="ctr"/>
-          <a:lstStyle/>
-          <a:p>
-            <a:endParaRPr lang="es-ES"/>
-          </a:p>
-        </p:txBody>
-      </p:sp>
-    </p:spTree>
-  </p:cSld>
-  <p:clrMapOvr>
-    <a:masterClrMapping/>
-  </p:clrMapOvr>
-  <p:transition spd="slow">
-    <p:fade/>
-  </p:transition>
-  <p:timing>
-    <p:tnLst>
-      <p:par>
-        <p:cTn id="1" dur="indefinite" restart="never" nodeType="tmRoot"/>
-      </p:par>
-    </p:tnLst>
-  </p:timing>
-</p:sld>
-</file>
-
-<file path=ppt/slides/slide30.xml><?xml version="1.0" encoding="utf-8"?>
+<file path=ppt/slides/slide34.xml><?xml version="1.0" encoding="utf-8"?>
 <p:sld xmlns:a="http://schemas.openxmlformats.org/drawingml/2006/main" xmlns:r="http://schemas.openxmlformats.org/officeDocument/2006/relationships" xmlns:p="http://schemas.openxmlformats.org/presentationml/2006/main">
   <p:cSld>
     <p:spTree>
@@ -19405,7 +19930,7 @@
           <p:nvPr/>
         </p:nvPicPr>
         <p:blipFill>
-          <a:blip r:embed="rId2">
+          <a:blip r:embed="rId2" cstate="print">
             <a:clrChange>
               <a:clrFrom>
                 <a:srgbClr val="FFFFFF"/>
@@ -19658,7 +20183,7 @@
           <p:nvPr/>
         </p:nvPicPr>
         <p:blipFill>
-          <a:blip r:embed="rId3"/>
+          <a:blip r:embed="rId3" cstate="print"/>
           <a:srcRect/>
           <a:stretch>
             <a:fillRect/>
@@ -19854,7 +20379,7 @@
           <p:nvPr/>
         </p:nvPicPr>
         <p:blipFill>
-          <a:blip r:embed="rId2"/>
+          <a:blip r:embed="rId2" cstate="print"/>
           <a:srcRect/>
           <a:stretch>
             <a:fillRect/>
@@ -19968,7 +20493,7 @@
           <p:nvPr/>
         </p:nvPicPr>
         <p:blipFill>
-          <a:blip r:embed="rId2"/>
+          <a:blip r:embed="rId2" cstate="print"/>
           <a:srcRect/>
           <a:stretch>
             <a:fillRect/>
@@ -20082,7 +20607,7 @@
           <p:nvPr/>
         </p:nvPicPr>
         <p:blipFill>
-          <a:blip r:embed="rId2"/>
+          <a:blip r:embed="rId2" cstate="print"/>
           <a:srcRect/>
           <a:stretch>
             <a:fillRect/>

--- a/PPT ENTREGABLE2 CMMI.pptx
+++ b/PPT ENTREGABLE2 CMMI.pptx
@@ -18578,7 +18578,7 @@
 </file>
 
 <file path=ppt/slides/slide25.xml><?xml version="1.0" encoding="utf-8"?>
-<p:sld xmlns:a="http://schemas.openxmlformats.org/drawingml/2006/main" xmlns:r="http://schemas.openxmlformats.org/officeDocument/2006/relationships" xmlns:p="http://schemas.openxmlformats.org/presentationml/2006/main" show="0">
+<p:sld xmlns:a="http://schemas.openxmlformats.org/drawingml/2006/main" xmlns:r="http://schemas.openxmlformats.org/officeDocument/2006/relationships" xmlns:p="http://schemas.openxmlformats.org/presentationml/2006/main">
   <p:cSld>
     <p:spTree>
       <p:nvGrpSpPr>

--- a/PPT ENTREGABLE2 CMMI.pptx
+++ b/PPT ENTREGABLE2 CMMI.pptx
@@ -280,7 +280,7 @@
               <a:pPr>
                 <a:defRPr/>
               </a:pPr>
-              <a:t>06/10/2012</a:t>
+              <a:t>13/10/2012</a:t>
             </a:fld>
             <a:endParaRPr lang="es-PE"/>
           </a:p>
@@ -3141,7 +3141,7 @@
               <a:pPr>
                 <a:defRPr/>
               </a:pPr>
-              <a:t>06/10/2012</a:t>
+              <a:t>13/10/2012</a:t>
             </a:fld>
             <a:endParaRPr lang="es-PE"/>
           </a:p>
@@ -3352,7 +3352,7 @@
               <a:pPr>
                 <a:defRPr/>
               </a:pPr>
-              <a:t>06/10/2012</a:t>
+              <a:t>13/10/2012</a:t>
             </a:fld>
             <a:endParaRPr lang="es-PE"/>
           </a:p>
@@ -5260,7 +5260,7 @@
               <a:pPr>
                 <a:defRPr/>
               </a:pPr>
-              <a:t>06/10/2012</a:t>
+              <a:t>13/10/2012</a:t>
             </a:fld>
             <a:endParaRPr lang="es-PE"/>
           </a:p>
@@ -5380,7 +5380,7 @@
               <a:pPr>
                 <a:defRPr/>
               </a:pPr>
-              <a:t>06/10/2012</a:t>
+              <a:t>13/10/2012</a:t>
             </a:fld>
             <a:endParaRPr lang="es-PE"/>
           </a:p>
@@ -5575,7 +5575,7 @@
               <a:pPr>
                 <a:defRPr/>
               </a:pPr>
-              <a:t>06/10/2012</a:t>
+              <a:t>13/10/2012</a:t>
             </a:fld>
             <a:endParaRPr lang="es-PE"/>
           </a:p>
@@ -7495,7 +7495,7 @@
               <a:pPr>
                 <a:defRPr/>
               </a:pPr>
-              <a:t>06/10/2012</a:t>
+              <a:t>13/10/2012</a:t>
             </a:fld>
             <a:endParaRPr lang="es-PE"/>
           </a:p>
@@ -7752,7 +7752,7 @@
               <a:pPr>
                 <a:defRPr/>
               </a:pPr>
-              <a:t>06/10/2012</a:t>
+              <a:t>13/10/2012</a:t>
             </a:fld>
             <a:endParaRPr lang="es-PE"/>
           </a:p>
@@ -8209,7 +8209,7 @@
               <a:pPr>
                 <a:defRPr/>
               </a:pPr>
-              <a:t>06/10/2012</a:t>
+              <a:t>13/10/2012</a:t>
             </a:fld>
             <a:endParaRPr lang="es-PE"/>
           </a:p>
@@ -8352,7 +8352,7 @@
               <a:pPr>
                 <a:defRPr/>
               </a:pPr>
-              <a:t>06/10/2012</a:t>
+              <a:t>13/10/2012</a:t>
             </a:fld>
             <a:endParaRPr lang="es-PE"/>
           </a:p>
@@ -10136,7 +10136,7 @@
               <a:pPr>
                 <a:defRPr/>
               </a:pPr>
-              <a:t>06/10/2012</a:t>
+              <a:t>13/10/2012</a:t>
             </a:fld>
             <a:endParaRPr lang="es-PE"/>
           </a:p>
@@ -12155,7 +12155,7 @@
               <a:pPr>
                 <a:defRPr/>
               </a:pPr>
-              <a:t>06/10/2012</a:t>
+              <a:t>13/10/2012</a:t>
             </a:fld>
             <a:endParaRPr lang="es-PE"/>
           </a:p>
@@ -14145,7 +14145,7 @@
               <a:pPr>
                 <a:defRPr/>
               </a:pPr>
-              <a:t>06/10/2012</a:t>
+              <a:t>13/10/2012</a:t>
             </a:fld>
             <a:endParaRPr lang="es-PE"/>
           </a:p>
@@ -15996,7 +15996,7 @@
               <a:pPr>
                 <a:defRPr/>
               </a:pPr>
-              <a:t>06/10/2012</a:t>
+              <a:t>13/10/2012</a:t>
             </a:fld>
             <a:endParaRPr lang="es-PE"/>
           </a:p>
@@ -48228,7 +48228,7 @@
               </a:lnSpc>
             </a:pPr>
             <a:r>
-              <a:rPr lang="es-PE" sz="3200" b="1">
+              <a:rPr lang="es-PE" sz="3200" b="1" dirty="0">
                 <a:solidFill>
                   <a:srgbClr val="FFFFFF"/>
                 </a:solidFill>
@@ -48249,8 +48249,8 @@
         </p:nvSpPr>
         <p:spPr bwMode="auto">
           <a:xfrm>
-            <a:off x="539750" y="1628775"/>
-            <a:ext cx="8136706" cy="4320505"/>
+            <a:off x="539750" y="1124745"/>
+            <a:ext cx="8136706" cy="5400600"/>
           </a:xfrm>
           <a:prstGeom prst="rect">
             <a:avLst/>
@@ -48269,22 +48269,21 @@
           <a:p>
             <a:r>
               <a:rPr lang="es-ES_tradnl" dirty="0" smtClean="0"/>
-              <a:t>De acuerdo al estudio de la situación actual de la Oficina Técnica de Desarrollo de Sistemas (OTIN) del  INEI se puede concluir que el nivel de capacidad para el desarrollo de Sistemas  es  IMCOMPLETO - 0,  al no  cumplir  las prácticas específicas en un 100%, de las áreas de proceso revisadas. </a:t>
+              <a:t>De acuerdo al estudio de la situación actual de la Oficina Técnica de Desarrollo de Sistemas (OTIN) del  INEI se puede concluir que el nivel de capacidad para el desarrollo de Sistemas  es  INCOMPLETO - 0,  al no  cumplir  las prácticas específicas en un 100%, de las áreas de proceso revisadas. </a:t>
             </a:r>
             <a:endParaRPr lang="es-PE" dirty="0" smtClean="0"/>
           </a:p>
           <a:p>
             <a:r>
               <a:rPr lang="es-ES_tradnl" dirty="0" smtClean="0"/>
-              <a:t>Además, se ha determinado que los procesos por los cuales conviene comenzar a optimizar serían los que  están más cerca de cumplir las todas las prácticas, en este caso empezaríamos con PP, ya que es el área de proceso que está</a:t>
+              <a:t>Además, se ha determinado que los procesos con los cuales conviene iniciar la optimización, serían aquellos que se encuentran cerca a cumplir todas las prácticas exigidas por CMMI. En este caso, se empezaría con el área de proceso PP, pues está más próxima a obtener el nivel de capacidad 1, al tener  sólo dos (02) prácticas específicas por cumplir. En el caso de las áreas de procesos  PMC y  REQM apreciamos que necesitan mayor atención debido a la cantidad de prácticas específicas no cumplidas (se sugiere ese orden para continuar la implementación de las mejoras). La idea es que se pueda trabajar en base a una experiencia de éxito, como es el caso del proceso PP. Por otro lado, se podría mencionar, adicionalmente, que las mejoras se darán por nivel de capacidad (representación continua) en el área y no por nivel de madurez.</a:t>
             </a:r>
-            <a:r>
-              <a:rPr lang="es-ES" dirty="0" smtClean="0"/>
-              <a:t> más próxima a obtener el nivel de capacidad 1, al tener dos(02) prácticas especifica s por cumplir. En el caso de las áreas de procesos </a:t>
-            </a:r>
+            <a:endParaRPr lang="es-PE" dirty="0" smtClean="0"/>
+          </a:p>
+          <a:p>
             <a:r>
               <a:rPr lang="es-ES_tradnl" dirty="0" smtClean="0"/>
-              <a:t> PMC y  REQM, las cuales necesitan mayor atención dado a la cantidad de prácticas específicas no cumplidas continuarían en ese orden; el fin es que se pueda trabajar en base a una experiencia de éxito, como es el caso del proceso PP. Por otro lado se podría mencionar adicionalmente que las mejoras se darán por Nivel de capacidad de representación continua en el área y no por Nivel de madurez.</a:t>
+              <a:t>Finalmente lo que se espera con la aplicación del modelo es conseguir que el área optimice el desempeño de sus actividades informáticas y sea ejemplo a seguir para las demás áreas de Sistemas de las otras Oficinas técnicas y Direcciones nacionales de la Institución.</a:t>
             </a:r>
             <a:endParaRPr lang="es-PE" dirty="0"/>
           </a:p>
